--- a/Presentation.pptx
+++ b/Presentation.pptx
@@ -30,19 +30,19 @@
     <p:sldId id="330" r:id="rId22"/>
     <p:sldId id="331" r:id="rId23"/>
     <p:sldId id="337" r:id="rId24"/>
-    <p:sldId id="348" r:id="rId25"/>
-    <p:sldId id="308" r:id="rId26"/>
-    <p:sldId id="314" r:id="rId27"/>
-    <p:sldId id="349" r:id="rId28"/>
-    <p:sldId id="340" r:id="rId29"/>
-    <p:sldId id="341" r:id="rId30"/>
-    <p:sldId id="344" r:id="rId31"/>
-    <p:sldId id="345" r:id="rId32"/>
-    <p:sldId id="346" r:id="rId33"/>
-    <p:sldId id="350" r:id="rId34"/>
-    <p:sldId id="316" r:id="rId35"/>
-    <p:sldId id="325" r:id="rId36"/>
-    <p:sldId id="326" r:id="rId37"/>
+    <p:sldId id="308" r:id="rId25"/>
+    <p:sldId id="314" r:id="rId26"/>
+    <p:sldId id="349" r:id="rId27"/>
+    <p:sldId id="340" r:id="rId28"/>
+    <p:sldId id="341" r:id="rId29"/>
+    <p:sldId id="344" r:id="rId30"/>
+    <p:sldId id="345" r:id="rId31"/>
+    <p:sldId id="346" r:id="rId32"/>
+    <p:sldId id="350" r:id="rId33"/>
+    <p:sldId id="316" r:id="rId34"/>
+    <p:sldId id="325" r:id="rId35"/>
+    <p:sldId id="326" r:id="rId36"/>
+    <p:sldId id="351" r:id="rId37"/>
     <p:sldId id="336" r:id="rId38"/>
     <p:sldId id="318" r:id="rId39"/>
   </p:sldIdLst>
@@ -1085,7 +1085,7 @@
         <a:lstStyle/>
         <a:p>
           <a:r>
-            <a:rPr lang="de-DE" smtClean="0"/>
+            <a:rPr lang="de-DE" dirty="0" smtClean="0"/>
             <a:t>Spring</a:t>
           </a:r>
           <a:endParaRPr lang="de-DE" dirty="0"/>
@@ -1122,7 +1122,7 @@
         <a:lstStyle/>
         <a:p>
           <a:r>
-            <a:rPr lang="de-DE" smtClean="0"/>
+            <a:rPr lang="de-DE" dirty="0" smtClean="0"/>
             <a:t>Groovy</a:t>
           </a:r>
           <a:endParaRPr lang="de-DE" dirty="0"/>
@@ -1159,7 +1159,7 @@
         <a:lstStyle/>
         <a:p>
           <a:r>
-            <a:rPr lang="de-DE" smtClean="0"/>
+            <a:rPr lang="de-DE" dirty="0" err="1" smtClean="0"/>
             <a:t>Hibernate</a:t>
           </a:r>
           <a:endParaRPr lang="de-DE" dirty="0"/>
@@ -1196,7 +1196,7 @@
         <a:lstStyle/>
         <a:p>
           <a:r>
-            <a:rPr lang="de-DE" smtClean="0"/>
+            <a:rPr lang="de-DE" dirty="0" err="1" smtClean="0"/>
             <a:t>SiteMesh</a:t>
           </a:r>
           <a:endParaRPr lang="de-DE" dirty="0"/>
@@ -1435,8 +1435,8 @@
       </dsp:nvSpPr>
       <dsp:spPr>
         <a:xfrm rot="16200000">
-          <a:off x="508000" y="-508000"/>
-          <a:ext cx="2032000" cy="3048000"/>
+          <a:off x="713910" y="-713910"/>
+          <a:ext cx="1620180" cy="3048000"/>
         </a:xfrm>
         <a:prstGeom prst="round1Rect">
           <a:avLst/>
@@ -1478,12 +1478,12 @@
         </a:fontRef>
       </dsp:style>
       <dsp:txBody>
-        <a:bodyPr spcFirstLastPara="0" vert="horz" wrap="square" lIns="298704" tIns="298704" rIns="298704" bIns="298704" numCol="1" spcCol="1270" anchor="ctr" anchorCtr="0">
+        <a:bodyPr spcFirstLastPara="0" vert="horz" wrap="square" lIns="234696" tIns="234696" rIns="234696" bIns="234696" numCol="1" spcCol="1270" anchor="ctr" anchorCtr="0">
           <a:noAutofit/>
         </a:bodyPr>
         <a:lstStyle/>
         <a:p>
-          <a:pPr lvl="0" algn="ctr" defTabSz="1866900">
+          <a:pPr lvl="0" algn="ctr" defTabSz="1466850">
             <a:lnSpc>
               <a:spcPct val="90000"/>
             </a:lnSpc>
@@ -1495,15 +1495,15 @@
             </a:spcAft>
           </a:pPr>
           <a:r>
-            <a:rPr lang="de-DE" sz="4200" kern="1200" smtClean="0"/>
+            <a:rPr lang="de-DE" sz="3300" kern="1200" dirty="0" smtClean="0"/>
             <a:t>Spring</a:t>
           </a:r>
-          <a:endParaRPr lang="de-DE" sz="4200" kern="1200" dirty="0"/>
+          <a:endParaRPr lang="de-DE" sz="3300" kern="1200" dirty="0"/>
         </a:p>
       </dsp:txBody>
       <dsp:txXfrm rot="5400000">
         <a:off x="0" y="0"/>
-        <a:ext cx="3048000" cy="1524000"/>
+        <a:ext cx="3048000" cy="1215135"/>
       </dsp:txXfrm>
     </dsp:sp>
     <dsp:sp modelId="{C83AB4E9-A066-4C32-9B94-64C1161EA86D}">
@@ -1514,7 +1514,7 @@
       <dsp:spPr>
         <a:xfrm>
           <a:off x="3048000" y="0"/>
-          <a:ext cx="3048000" cy="2032000"/>
+          <a:ext cx="3048000" cy="1620180"/>
         </a:xfrm>
         <a:prstGeom prst="round1Rect">
           <a:avLst/>
@@ -1556,12 +1556,12 @@
         </a:fontRef>
       </dsp:style>
       <dsp:txBody>
-        <a:bodyPr spcFirstLastPara="0" vert="horz" wrap="square" lIns="298704" tIns="298704" rIns="298704" bIns="298704" numCol="1" spcCol="1270" anchor="ctr" anchorCtr="0">
+        <a:bodyPr spcFirstLastPara="0" vert="horz" wrap="square" lIns="234696" tIns="234696" rIns="234696" bIns="234696" numCol="1" spcCol="1270" anchor="ctr" anchorCtr="0">
           <a:noAutofit/>
         </a:bodyPr>
         <a:lstStyle/>
         <a:p>
-          <a:pPr lvl="0" algn="ctr" defTabSz="1866900">
+          <a:pPr lvl="0" algn="ctr" defTabSz="1466850">
             <a:lnSpc>
               <a:spcPct val="90000"/>
             </a:lnSpc>
@@ -1573,15 +1573,15 @@
             </a:spcAft>
           </a:pPr>
           <a:r>
-            <a:rPr lang="de-DE" sz="4200" kern="1200" smtClean="0"/>
+            <a:rPr lang="de-DE" sz="3300" kern="1200" dirty="0" smtClean="0"/>
             <a:t>Groovy</a:t>
           </a:r>
-          <a:endParaRPr lang="de-DE" sz="4200" kern="1200" dirty="0"/>
+          <a:endParaRPr lang="de-DE" sz="3300" kern="1200" dirty="0"/>
         </a:p>
       </dsp:txBody>
       <dsp:txXfrm>
         <a:off x="3048000" y="0"/>
-        <a:ext cx="3048000" cy="1524000"/>
+        <a:ext cx="3048000" cy="1215135"/>
       </dsp:txXfrm>
     </dsp:sp>
     <dsp:sp modelId="{2BCBC29C-5067-4C24-BDB5-16718A53AE6A}">
@@ -1591,8 +1591,8 @@
       </dsp:nvSpPr>
       <dsp:spPr>
         <a:xfrm rot="10800000">
-          <a:off x="0" y="2032000"/>
-          <a:ext cx="3048000" cy="2032000"/>
+          <a:off x="0" y="1620180"/>
+          <a:ext cx="3048000" cy="1620180"/>
         </a:xfrm>
         <a:prstGeom prst="round1Rect">
           <a:avLst/>
@@ -1634,12 +1634,12 @@
         </a:fontRef>
       </dsp:style>
       <dsp:txBody>
-        <a:bodyPr spcFirstLastPara="0" vert="horz" wrap="square" lIns="298704" tIns="298704" rIns="298704" bIns="298704" numCol="1" spcCol="1270" anchor="ctr" anchorCtr="0">
+        <a:bodyPr spcFirstLastPara="0" vert="horz" wrap="square" lIns="234696" tIns="234696" rIns="234696" bIns="234696" numCol="1" spcCol="1270" anchor="ctr" anchorCtr="0">
           <a:noAutofit/>
         </a:bodyPr>
         <a:lstStyle/>
         <a:p>
-          <a:pPr lvl="0" algn="ctr" defTabSz="1866900">
+          <a:pPr lvl="0" algn="ctr" defTabSz="1466850">
             <a:lnSpc>
               <a:spcPct val="90000"/>
             </a:lnSpc>
@@ -1651,15 +1651,15 @@
             </a:spcAft>
           </a:pPr>
           <a:r>
-            <a:rPr lang="de-DE" sz="4200" kern="1200" smtClean="0"/>
+            <a:rPr lang="de-DE" sz="3300" kern="1200" dirty="0" err="1" smtClean="0"/>
             <a:t>Hibernate</a:t>
           </a:r>
-          <a:endParaRPr lang="de-DE" sz="4200" kern="1200" dirty="0"/>
+          <a:endParaRPr lang="de-DE" sz="3300" kern="1200" dirty="0"/>
         </a:p>
       </dsp:txBody>
       <dsp:txXfrm rot="10800000">
-        <a:off x="0" y="2539999"/>
-        <a:ext cx="3048000" cy="1524000"/>
+        <a:off x="0" y="2025225"/>
+        <a:ext cx="3048000" cy="1215135"/>
       </dsp:txXfrm>
     </dsp:sp>
     <dsp:sp modelId="{F498BBB4-A080-4839-A4BC-B30620E40F49}">
@@ -1669,8 +1669,8 @@
       </dsp:nvSpPr>
       <dsp:spPr>
         <a:xfrm rot="5400000">
-          <a:off x="3556000" y="1523999"/>
-          <a:ext cx="2032000" cy="3048000"/>
+          <a:off x="3761910" y="906270"/>
+          <a:ext cx="1620180" cy="3048000"/>
         </a:xfrm>
         <a:prstGeom prst="round1Rect">
           <a:avLst/>
@@ -1712,12 +1712,12 @@
         </a:fontRef>
       </dsp:style>
       <dsp:txBody>
-        <a:bodyPr spcFirstLastPara="0" vert="horz" wrap="square" lIns="298704" tIns="298704" rIns="298704" bIns="298704" numCol="1" spcCol="1270" anchor="ctr" anchorCtr="0">
+        <a:bodyPr spcFirstLastPara="0" vert="horz" wrap="square" lIns="234696" tIns="234696" rIns="234696" bIns="234696" numCol="1" spcCol="1270" anchor="ctr" anchorCtr="0">
           <a:noAutofit/>
         </a:bodyPr>
         <a:lstStyle/>
         <a:p>
-          <a:pPr lvl="0" algn="ctr" defTabSz="1866900">
+          <a:pPr lvl="0" algn="ctr" defTabSz="1466850">
             <a:lnSpc>
               <a:spcPct val="90000"/>
             </a:lnSpc>
@@ -1729,15 +1729,15 @@
             </a:spcAft>
           </a:pPr>
           <a:r>
-            <a:rPr lang="de-DE" sz="4200" kern="1200" smtClean="0"/>
+            <a:rPr lang="de-DE" sz="3300" kern="1200" dirty="0" err="1" smtClean="0"/>
             <a:t>SiteMesh</a:t>
           </a:r>
-          <a:endParaRPr lang="de-DE" sz="4200" kern="1200" dirty="0"/>
+          <a:endParaRPr lang="de-DE" sz="3300" kern="1200" dirty="0"/>
         </a:p>
       </dsp:txBody>
       <dsp:txXfrm rot="-5400000">
-        <a:off x="3048000" y="2539999"/>
-        <a:ext cx="3048000" cy="1524000"/>
+        <a:off x="3048000" y="2025224"/>
+        <a:ext cx="3048000" cy="1215135"/>
       </dsp:txXfrm>
     </dsp:sp>
     <dsp:sp modelId="{D5EA20F8-272A-400E-B692-FE1C3CF6C51C}">
@@ -1747,8 +1747,8 @@
       </dsp:nvSpPr>
       <dsp:spPr>
         <a:xfrm>
-          <a:off x="2133600" y="1523999"/>
-          <a:ext cx="1828800" cy="1016000"/>
+          <a:off x="2133600" y="1215135"/>
+          <a:ext cx="1828800" cy="810090"/>
         </a:xfrm>
         <a:prstGeom prst="roundRect">
           <a:avLst/>
@@ -1788,12 +1788,12 @@
         <a:fontRef idx="minor"/>
       </dsp:style>
       <dsp:txBody>
-        <a:bodyPr spcFirstLastPara="0" vert="horz" wrap="square" lIns="160020" tIns="160020" rIns="160020" bIns="160020" numCol="1" spcCol="1270" anchor="ctr" anchorCtr="0">
+        <a:bodyPr spcFirstLastPara="0" vert="horz" wrap="square" lIns="125730" tIns="125730" rIns="125730" bIns="125730" numCol="1" spcCol="1270" anchor="ctr" anchorCtr="0">
           <a:noAutofit/>
         </a:bodyPr>
         <a:lstStyle/>
         <a:p>
-          <a:pPr lvl="0" algn="ctr" defTabSz="1866900">
+          <a:pPr lvl="0" algn="ctr" defTabSz="1466850">
             <a:lnSpc>
               <a:spcPct val="90000"/>
             </a:lnSpc>
@@ -1805,15 +1805,15 @@
             </a:spcAft>
           </a:pPr>
           <a:r>
-            <a:rPr lang="de-DE" sz="4200" b="1" kern="1200" dirty="0" smtClean="0"/>
+            <a:rPr lang="de-DE" sz="3300" b="1" kern="1200" dirty="0" smtClean="0"/>
             <a:t>Grails</a:t>
           </a:r>
-          <a:endParaRPr lang="de-DE" sz="4200" b="1" kern="1200" dirty="0"/>
+          <a:endParaRPr lang="de-DE" sz="3300" b="1" kern="1200" dirty="0"/>
         </a:p>
       </dsp:txBody>
       <dsp:txXfrm>
-        <a:off x="2183197" y="1573596"/>
-        <a:ext cx="1729606" cy="916806"/>
+        <a:off x="2173145" y="1254680"/>
+        <a:ext cx="1749710" cy="731000"/>
       </dsp:txXfrm>
     </dsp:sp>
   </dsp:spTree>
@@ -3955,7 +3955,7 @@
             <a:fld id="{133286C6-4904-4CD0-891D-2F37ADC6A93C}" type="slidenum">
               <a:rPr lang="de-DE" smtClean="0"/>
               <a:pPr/>
-              <a:t>21</a:t>
+              <a:t>20</a:t>
             </a:fld>
             <a:endParaRPr lang="de-DE"/>
           </a:p>
@@ -4137,7 +4137,7 @@
             <a:fld id="{133286C6-4904-4CD0-891D-2F37ADC6A93C}" type="slidenum">
               <a:rPr lang="de-DE" smtClean="0"/>
               <a:pPr/>
-              <a:t>22</a:t>
+              <a:t>21</a:t>
             </a:fld>
             <a:endParaRPr lang="de-DE"/>
           </a:p>
@@ -4239,7 +4239,7 @@
                 <a:latin typeface="Calibri"/>
               </a:rPr>
               <a:pPr/>
-              <a:t>23</a:t>
+              <a:t>22</a:t>
             </a:fld>
             <a:endParaRPr lang="de-DE">
               <a:solidFill>
@@ -4426,7 +4426,7 @@
             <a:fld id="{133286C6-4904-4CD0-891D-2F37ADC6A93C}" type="slidenum">
               <a:rPr lang="de-DE" smtClean="0"/>
               <a:pPr/>
-              <a:t>25</a:t>
+              <a:t>24</a:t>
             </a:fld>
             <a:endParaRPr lang="de-DE"/>
           </a:p>
@@ -13001,14 +13001,14 @@
           <p:nvPr>
             <p:extLst>
               <p:ext uri="{D42A27DB-BD31-4B8C-83A1-F6EECF244321}">
-                <p14:modId xmlns:p14="http://schemas.microsoft.com/office/powerpoint/2010/main" val="1377121367"/>
+                <p14:modId xmlns:p14="http://schemas.microsoft.com/office/powerpoint/2010/main" val="3480294494"/>
               </p:ext>
             </p:extLst>
           </p:nvPr>
         </p:nvGraphicFramePr>
         <p:xfrm>
           <a:off x="1524000" y="1844824"/>
-          <a:ext cx="6096000" cy="4064000"/>
+          <a:ext cx="6096000" cy="3240360"/>
         </p:xfrm>
         <a:graphic>
           <a:graphicData uri="http://schemas.openxmlformats.org/drawingml/2006/diagram">
@@ -13059,6 +13059,60 @@
               <a:t>Technologie-Unterbau</a:t>
             </a:r>
             <a:endParaRPr lang="de-DE" dirty="0"/>
+          </a:p>
+        </p:txBody>
+      </p:sp>
+      <p:sp>
+        <p:nvSpPr>
+          <p:cNvPr id="2" name="Abgerundetes Rechteck 1"/>
+          <p:cNvSpPr/>
+          <p:nvPr/>
+        </p:nvSpPr>
+        <p:spPr>
+          <a:xfrm>
+            <a:off x="1524000" y="5085184"/>
+            <a:ext cx="6096000" cy="936104"/>
+          </a:xfrm>
+          <a:prstGeom prst="roundRect">
+            <a:avLst/>
+          </a:prstGeom>
+          <a:solidFill>
+            <a:schemeClr val="accent1">
+              <a:lumMod val="40000"/>
+              <a:lumOff val="60000"/>
+            </a:schemeClr>
+          </a:solidFill>
+          <a:ln>
+            <a:solidFill>
+              <a:schemeClr val="bg1"/>
+            </a:solidFill>
+          </a:ln>
+          <a:effectLst/>
+        </p:spPr>
+        <p:style>
+          <a:lnRef idx="1">
+            <a:schemeClr val="accent1"/>
+          </a:lnRef>
+          <a:fillRef idx="3">
+            <a:schemeClr val="accent1"/>
+          </a:fillRef>
+          <a:effectRef idx="2">
+            <a:schemeClr val="accent1"/>
+          </a:effectRef>
+          <a:fontRef idx="minor">
+            <a:schemeClr val="lt1"/>
+          </a:fontRef>
+        </p:style>
+        <p:txBody>
+          <a:bodyPr rtlCol="0" anchor="ctr"/>
+          <a:lstStyle/>
+          <a:p>
+            <a:pPr algn="ctr"/>
+            <a:r>
+              <a:rPr lang="de-DE" sz="3300" dirty="0" err="1" smtClean="0"/>
+              <a:t>Gradle</a:t>
+            </a:r>
+            <a:endParaRPr lang="de-DE" sz="3300" dirty="0"/>
           </a:p>
         </p:txBody>
       </p:sp>
@@ -13113,255 +13167,6 @@
       </p:grpSpPr>
       <p:sp>
         <p:nvSpPr>
-          <p:cNvPr id="9" name="Abgerundetes Rechteck 8"/>
-          <p:cNvSpPr/>
-          <p:nvPr/>
-        </p:nvSpPr>
-        <p:spPr>
-          <a:xfrm>
-            <a:off x="3203848" y="1345480"/>
-            <a:ext cx="2736304" cy="5323880"/>
-          </a:xfrm>
-          <a:prstGeom prst="roundRect">
-            <a:avLst/>
-          </a:prstGeom>
-        </p:spPr>
-        <p:style>
-          <a:lnRef idx="1">
-            <a:schemeClr val="accent2"/>
-          </a:lnRef>
-          <a:fillRef idx="2">
-            <a:schemeClr val="accent2"/>
-          </a:fillRef>
-          <a:effectRef idx="1">
-            <a:schemeClr val="accent2"/>
-          </a:effectRef>
-          <a:fontRef idx="minor">
-            <a:schemeClr val="dk1"/>
-          </a:fontRef>
-        </p:style>
-        <p:txBody>
-          <a:bodyPr wrap="square" rtlCol="0" anchor="ctr">
-            <a:spAutoFit/>
-          </a:bodyPr>
-          <a:lstStyle/>
-          <a:p>
-            <a:r>
-              <a:rPr lang="en-US" dirty="0" smtClean="0">
-                <a:latin typeface="Consolas" pitchFamily="49" charset="0"/>
-                <a:cs typeface="Consolas" pitchFamily="49" charset="0"/>
-              </a:rPr>
-              <a:t>    grails</a:t>
-            </a:r>
-            <a:r>
-              <a:rPr lang="en-US" dirty="0">
-                <a:latin typeface="Consolas" pitchFamily="49" charset="0"/>
-                <a:cs typeface="Consolas" pitchFamily="49" charset="0"/>
-              </a:rPr>
-              <a:t>-app</a:t>
-            </a:r>
-          </a:p>
-          <a:p>
-            <a:r>
-              <a:rPr lang="en-US" dirty="0">
-                <a:latin typeface="Consolas" pitchFamily="49" charset="0"/>
-                <a:cs typeface="Consolas" pitchFamily="49" charset="0"/>
-              </a:rPr>
-              <a:t>     - </a:t>
-            </a:r>
-            <a:r>
-              <a:rPr lang="en-US" dirty="0" err="1">
-                <a:latin typeface="Consolas" pitchFamily="49" charset="0"/>
-                <a:cs typeface="Consolas" pitchFamily="49" charset="0"/>
-              </a:rPr>
-              <a:t>conf</a:t>
-            </a:r>
-            <a:endParaRPr lang="en-US" dirty="0">
-              <a:latin typeface="Consolas" pitchFamily="49" charset="0"/>
-              <a:cs typeface="Consolas" pitchFamily="49" charset="0"/>
-            </a:endParaRPr>
-          </a:p>
-          <a:p>
-            <a:r>
-              <a:rPr lang="en-US" dirty="0">
-                <a:latin typeface="Consolas" pitchFamily="49" charset="0"/>
-                <a:cs typeface="Consolas" pitchFamily="49" charset="0"/>
-              </a:rPr>
-              <a:t>     - controllers</a:t>
-            </a:r>
-          </a:p>
-          <a:p>
-            <a:r>
-              <a:rPr lang="en-US" dirty="0">
-                <a:latin typeface="Consolas" pitchFamily="49" charset="0"/>
-                <a:cs typeface="Consolas" pitchFamily="49" charset="0"/>
-              </a:rPr>
-              <a:t>     - domain</a:t>
-            </a:r>
-          </a:p>
-          <a:p>
-            <a:r>
-              <a:rPr lang="en-US" dirty="0">
-                <a:latin typeface="Consolas" pitchFamily="49" charset="0"/>
-                <a:cs typeface="Consolas" pitchFamily="49" charset="0"/>
-              </a:rPr>
-              <a:t>     - i18n</a:t>
-            </a:r>
-          </a:p>
-          <a:p>
-            <a:r>
-              <a:rPr lang="en-US" dirty="0">
-                <a:latin typeface="Consolas" pitchFamily="49" charset="0"/>
-                <a:cs typeface="Consolas" pitchFamily="49" charset="0"/>
-              </a:rPr>
-              <a:t>     - services</a:t>
-            </a:r>
-          </a:p>
-          <a:p>
-            <a:r>
-              <a:rPr lang="en-US" dirty="0">
-                <a:latin typeface="Consolas" pitchFamily="49" charset="0"/>
-                <a:cs typeface="Consolas" pitchFamily="49" charset="0"/>
-              </a:rPr>
-              <a:t>     - </a:t>
-            </a:r>
-            <a:r>
-              <a:rPr lang="en-US" dirty="0" err="1">
-                <a:latin typeface="Consolas" pitchFamily="49" charset="0"/>
-                <a:cs typeface="Consolas" pitchFamily="49" charset="0"/>
-              </a:rPr>
-              <a:t>taglib</a:t>
-            </a:r>
-            <a:endParaRPr lang="en-US" dirty="0">
-              <a:latin typeface="Consolas" pitchFamily="49" charset="0"/>
-              <a:cs typeface="Consolas" pitchFamily="49" charset="0"/>
-            </a:endParaRPr>
-          </a:p>
-          <a:p>
-            <a:r>
-              <a:rPr lang="en-US" dirty="0">
-                <a:latin typeface="Consolas" pitchFamily="49" charset="0"/>
-                <a:cs typeface="Consolas" pitchFamily="49" charset="0"/>
-              </a:rPr>
-              <a:t>     - </a:t>
-            </a:r>
-            <a:r>
-              <a:rPr lang="en-US" dirty="0" err="1">
-                <a:latin typeface="Consolas" pitchFamily="49" charset="0"/>
-                <a:cs typeface="Consolas" pitchFamily="49" charset="0"/>
-              </a:rPr>
-              <a:t>utils</a:t>
-            </a:r>
-            <a:endParaRPr lang="en-US" dirty="0">
-              <a:latin typeface="Consolas" pitchFamily="49" charset="0"/>
-              <a:cs typeface="Consolas" pitchFamily="49" charset="0"/>
-            </a:endParaRPr>
-          </a:p>
-          <a:p>
-            <a:r>
-              <a:rPr lang="en-US" dirty="0">
-                <a:latin typeface="Consolas" pitchFamily="49" charset="0"/>
-                <a:cs typeface="Consolas" pitchFamily="49" charset="0"/>
-              </a:rPr>
-              <a:t>     - views</a:t>
-            </a:r>
-          </a:p>
-          <a:p>
-            <a:r>
-              <a:rPr lang="en-US" dirty="0">
-                <a:latin typeface="Consolas" pitchFamily="49" charset="0"/>
-                <a:cs typeface="Consolas" pitchFamily="49" charset="0"/>
-              </a:rPr>
-              <a:t>    lib</a:t>
-            </a:r>
-          </a:p>
-          <a:p>
-            <a:r>
-              <a:rPr lang="en-US" dirty="0">
-                <a:latin typeface="Consolas" pitchFamily="49" charset="0"/>
-                <a:cs typeface="Consolas" pitchFamily="49" charset="0"/>
-              </a:rPr>
-              <a:t>    scripts</a:t>
-            </a:r>
-          </a:p>
-          <a:p>
-            <a:r>
-              <a:rPr lang="en-US" dirty="0">
-                <a:latin typeface="Consolas" pitchFamily="49" charset="0"/>
-                <a:cs typeface="Consolas" pitchFamily="49" charset="0"/>
-              </a:rPr>
-              <a:t>    </a:t>
-            </a:r>
-            <a:r>
-              <a:rPr lang="en-US" dirty="0" err="1">
-                <a:latin typeface="Consolas" pitchFamily="49" charset="0"/>
-                <a:cs typeface="Consolas" pitchFamily="49" charset="0"/>
-              </a:rPr>
-              <a:t>src</a:t>
-            </a:r>
-            <a:endParaRPr lang="en-US" dirty="0">
-              <a:latin typeface="Consolas" pitchFamily="49" charset="0"/>
-              <a:cs typeface="Consolas" pitchFamily="49" charset="0"/>
-            </a:endParaRPr>
-          </a:p>
-          <a:p>
-            <a:r>
-              <a:rPr lang="en-US" dirty="0">
-                <a:latin typeface="Consolas" pitchFamily="49" charset="0"/>
-                <a:cs typeface="Consolas" pitchFamily="49" charset="0"/>
-              </a:rPr>
-              <a:t>     - groovy</a:t>
-            </a:r>
-          </a:p>
-          <a:p>
-            <a:r>
-              <a:rPr lang="en-US" dirty="0">
-                <a:latin typeface="Consolas" pitchFamily="49" charset="0"/>
-                <a:cs typeface="Consolas" pitchFamily="49" charset="0"/>
-              </a:rPr>
-              <a:t>     - java</a:t>
-            </a:r>
-          </a:p>
-          <a:p>
-            <a:r>
-              <a:rPr lang="en-US" dirty="0">
-                <a:latin typeface="Consolas" pitchFamily="49" charset="0"/>
-                <a:cs typeface="Consolas" pitchFamily="49" charset="0"/>
-              </a:rPr>
-              <a:t>    test</a:t>
-            </a:r>
-          </a:p>
-          <a:p>
-            <a:r>
-              <a:rPr lang="en-US" dirty="0">
-                <a:latin typeface="Consolas" pitchFamily="49" charset="0"/>
-                <a:cs typeface="Consolas" pitchFamily="49" charset="0"/>
-              </a:rPr>
-              <a:t>     - integration</a:t>
-            </a:r>
-          </a:p>
-          <a:p>
-            <a:r>
-              <a:rPr lang="en-US" dirty="0">
-                <a:latin typeface="Consolas" pitchFamily="49" charset="0"/>
-                <a:cs typeface="Consolas" pitchFamily="49" charset="0"/>
-              </a:rPr>
-              <a:t>     - unit</a:t>
-            </a:r>
-          </a:p>
-          <a:p>
-            <a:r>
-              <a:rPr lang="en-US" dirty="0">
-                <a:latin typeface="Consolas" pitchFamily="49" charset="0"/>
-                <a:cs typeface="Consolas" pitchFamily="49" charset="0"/>
-              </a:rPr>
-              <a:t>    web-app</a:t>
-            </a:r>
-          </a:p>
-        </p:txBody>
-      </p:sp>
-      <p:sp>
-        <p:nvSpPr>
           <p:cNvPr id="4" name="Titel 1"/>
           <p:cNvSpPr txBox="1">
             <a:spLocks/>
@@ -13406,6 +13211,46 @@
           </a:p>
         </p:txBody>
       </p:sp>
+      <p:pic>
+        <p:nvPicPr>
+          <p:cNvPr id="3" name="Bild 2" descr="Bildschirmfoto 2015-04-21 um 16.05.37.png"/>
+          <p:cNvPicPr>
+            <a:picLocks noChangeAspect="1"/>
+          </p:cNvPicPr>
+          <p:nvPr/>
+        </p:nvPicPr>
+        <p:blipFill>
+          <a:blip r:embed="rId3">
+            <a:extLst>
+              <a:ext uri="{28A0092B-C50C-407E-A947-70E740481C1C}">
+                <a14:useLocalDpi xmlns:a14="http://schemas.microsoft.com/office/drawing/2010/main" val="0"/>
+              </a:ext>
+            </a:extLst>
+          </a:blip>
+          <a:stretch>
+            <a:fillRect/>
+          </a:stretch>
+        </p:blipFill>
+        <p:spPr>
+          <a:xfrm>
+            <a:off x="3543300" y="1268760"/>
+            <a:ext cx="2057400" cy="5410200"/>
+          </a:xfrm>
+          <a:prstGeom prst="rect">
+            <a:avLst/>
+          </a:prstGeom>
+          <a:ln>
+            <a:noFill/>
+          </a:ln>
+          <a:effectLst>
+            <a:outerShdw blurRad="292100" dist="139700" dir="2700000" algn="tl" rotWithShape="0">
+              <a:srgbClr val="333333">
+                <a:alpha val="65000"/>
+              </a:srgbClr>
+            </a:outerShdw>
+          </a:effectLst>
+        </p:spPr>
+      </p:pic>
     </p:spTree>
     <p:extLst>
       <p:ext uri="{BB962C8B-B14F-4D97-AF65-F5344CB8AC3E}">
@@ -13457,244 +13302,6 @@
       </p:grpSpPr>
       <p:sp>
         <p:nvSpPr>
-          <p:cNvPr id="9" name="Abgerundetes Rechteck 8"/>
-          <p:cNvSpPr/>
-          <p:nvPr/>
-        </p:nvSpPr>
-        <p:spPr>
-          <a:xfrm>
-            <a:off x="2483768" y="2351998"/>
-            <a:ext cx="4176464" cy="3166825"/>
-          </a:xfrm>
-          <a:prstGeom prst="roundRect">
-            <a:avLst/>
-          </a:prstGeom>
-        </p:spPr>
-        <p:style>
-          <a:lnRef idx="1">
-            <a:schemeClr val="accent1"/>
-          </a:lnRef>
-          <a:fillRef idx="2">
-            <a:schemeClr val="accent1"/>
-          </a:fillRef>
-          <a:effectRef idx="1">
-            <a:schemeClr val="accent1"/>
-          </a:effectRef>
-          <a:fontRef idx="minor">
-            <a:schemeClr val="dk1"/>
-          </a:fontRef>
-        </p:style>
-        <p:txBody>
-          <a:bodyPr wrap="square" rtlCol="0" anchor="ctr">
-            <a:spAutoFit/>
-          </a:bodyPr>
-          <a:lstStyle/>
-          <a:p>
-            <a:r>
-              <a:rPr lang="de-DE" dirty="0" err="1">
-                <a:latin typeface="Consolas" pitchFamily="49" charset="0"/>
-                <a:cs typeface="Consolas" pitchFamily="49" charset="0"/>
-              </a:rPr>
-              <a:t>grails-app</a:t>
-            </a:r>
-            <a:r>
-              <a:rPr lang="de-DE" dirty="0">
-                <a:latin typeface="Consolas" pitchFamily="49" charset="0"/>
-                <a:cs typeface="Consolas" pitchFamily="49" charset="0"/>
-              </a:rPr>
-              <a:t>/</a:t>
-            </a:r>
-            <a:r>
-              <a:rPr lang="de-DE" dirty="0" err="1">
-                <a:latin typeface="Consolas" pitchFamily="49" charset="0"/>
-                <a:cs typeface="Consolas" pitchFamily="49" charset="0"/>
-              </a:rPr>
-              <a:t>conf</a:t>
-            </a:r>
-            <a:r>
-              <a:rPr lang="de-DE" dirty="0">
-                <a:latin typeface="Consolas" pitchFamily="49" charset="0"/>
-                <a:cs typeface="Consolas" pitchFamily="49" charset="0"/>
-              </a:rPr>
-              <a:t>/</a:t>
-            </a:r>
-          </a:p>
-          <a:p>
-            <a:r>
-              <a:rPr lang="de-DE" dirty="0">
-                <a:latin typeface="Consolas" pitchFamily="49" charset="0"/>
-                <a:cs typeface="Consolas" pitchFamily="49" charset="0"/>
-              </a:rPr>
-              <a:t>    </a:t>
-            </a:r>
-            <a:r>
-              <a:rPr lang="de-DE" dirty="0" err="1">
-                <a:latin typeface="Consolas" pitchFamily="49" charset="0"/>
-                <a:cs typeface="Consolas" pitchFamily="49" charset="0"/>
-              </a:rPr>
-              <a:t>hibernate</a:t>
-            </a:r>
-            <a:r>
-              <a:rPr lang="de-DE" dirty="0">
-                <a:latin typeface="Consolas" pitchFamily="49" charset="0"/>
-                <a:cs typeface="Consolas" pitchFamily="49" charset="0"/>
-              </a:rPr>
-              <a:t>/</a:t>
-            </a:r>
-          </a:p>
-          <a:p>
-            <a:r>
-              <a:rPr lang="de-DE" dirty="0">
-                <a:latin typeface="Consolas" pitchFamily="49" charset="0"/>
-                <a:cs typeface="Consolas" pitchFamily="49" charset="0"/>
-              </a:rPr>
-              <a:t>    spring/</a:t>
-            </a:r>
-          </a:p>
-          <a:p>
-            <a:r>
-              <a:rPr lang="de-DE" dirty="0">
-                <a:latin typeface="Consolas" pitchFamily="49" charset="0"/>
-                <a:cs typeface="Consolas" pitchFamily="49" charset="0"/>
-              </a:rPr>
-              <a:t>        </a:t>
-            </a:r>
-            <a:r>
-              <a:rPr lang="de-DE" dirty="0" err="1" smtClean="0">
-                <a:latin typeface="Consolas" pitchFamily="49" charset="0"/>
-                <a:cs typeface="Consolas" pitchFamily="49" charset="0"/>
-              </a:rPr>
-              <a:t>resources</a:t>
-            </a:r>
-            <a:endParaRPr lang="de-DE" dirty="0">
-              <a:latin typeface="Consolas" pitchFamily="49" charset="0"/>
-              <a:cs typeface="Consolas" pitchFamily="49" charset="0"/>
-            </a:endParaRPr>
-          </a:p>
-          <a:p>
-            <a:r>
-              <a:rPr lang="de-DE" dirty="0">
-                <a:latin typeface="Consolas" pitchFamily="49" charset="0"/>
-                <a:cs typeface="Consolas" pitchFamily="49" charset="0"/>
-              </a:rPr>
-              <a:t>    </a:t>
-            </a:r>
-            <a:r>
-              <a:rPr lang="de-DE" dirty="0" err="1" smtClean="0">
-                <a:latin typeface="Consolas" pitchFamily="49" charset="0"/>
-                <a:cs typeface="Consolas" pitchFamily="49" charset="0"/>
-              </a:rPr>
-              <a:t>ApplicationResources</a:t>
-            </a:r>
-            <a:endParaRPr lang="de-DE" dirty="0">
-              <a:latin typeface="Consolas" pitchFamily="49" charset="0"/>
-              <a:cs typeface="Consolas" pitchFamily="49" charset="0"/>
-            </a:endParaRPr>
-          </a:p>
-          <a:p>
-            <a:r>
-              <a:rPr lang="de-DE" dirty="0">
-                <a:latin typeface="Consolas" pitchFamily="49" charset="0"/>
-                <a:cs typeface="Consolas" pitchFamily="49" charset="0"/>
-              </a:rPr>
-              <a:t>    </a:t>
-            </a:r>
-            <a:r>
-              <a:rPr lang="de-DE" dirty="0" err="1" smtClean="0">
-                <a:latin typeface="Consolas" pitchFamily="49" charset="0"/>
-                <a:cs typeface="Consolas" pitchFamily="49" charset="0"/>
-              </a:rPr>
-              <a:t>BootStrap</a:t>
-            </a:r>
-            <a:endParaRPr lang="de-DE" dirty="0">
-              <a:latin typeface="Consolas" pitchFamily="49" charset="0"/>
-              <a:cs typeface="Consolas" pitchFamily="49" charset="0"/>
-            </a:endParaRPr>
-          </a:p>
-          <a:p>
-            <a:r>
-              <a:rPr lang="de-DE" dirty="0">
-                <a:latin typeface="Consolas" pitchFamily="49" charset="0"/>
-                <a:cs typeface="Consolas" pitchFamily="49" charset="0"/>
-              </a:rPr>
-              <a:t>    </a:t>
-            </a:r>
-            <a:r>
-              <a:rPr lang="de-DE" dirty="0" err="1" smtClean="0">
-                <a:latin typeface="Consolas" pitchFamily="49" charset="0"/>
-                <a:cs typeface="Consolas" pitchFamily="49" charset="0"/>
-              </a:rPr>
-              <a:t>BuildConfig</a:t>
-            </a:r>
-            <a:endParaRPr lang="de-DE" dirty="0">
-              <a:latin typeface="Consolas" pitchFamily="49" charset="0"/>
-              <a:cs typeface="Consolas" pitchFamily="49" charset="0"/>
-            </a:endParaRPr>
-          </a:p>
-          <a:p>
-            <a:r>
-              <a:rPr lang="de-DE" dirty="0">
-                <a:latin typeface="Consolas" pitchFamily="49" charset="0"/>
-                <a:cs typeface="Consolas" pitchFamily="49" charset="0"/>
-              </a:rPr>
-              <a:t>    </a:t>
-            </a:r>
-            <a:r>
-              <a:rPr lang="de-DE" dirty="0" err="1" smtClean="0">
-                <a:latin typeface="Consolas" pitchFamily="49" charset="0"/>
-                <a:cs typeface="Consolas" pitchFamily="49" charset="0"/>
-              </a:rPr>
-              <a:t>Config</a:t>
-            </a:r>
-            <a:endParaRPr lang="de-DE" dirty="0">
-              <a:latin typeface="Consolas" pitchFamily="49" charset="0"/>
-              <a:cs typeface="Consolas" pitchFamily="49" charset="0"/>
-            </a:endParaRPr>
-          </a:p>
-          <a:p>
-            <a:r>
-              <a:rPr lang="de-DE" dirty="0">
-                <a:latin typeface="Consolas" pitchFamily="49" charset="0"/>
-                <a:cs typeface="Consolas" pitchFamily="49" charset="0"/>
-              </a:rPr>
-              <a:t>    </a:t>
-            </a:r>
-            <a:r>
-              <a:rPr lang="de-DE" dirty="0" err="1" smtClean="0">
-                <a:latin typeface="Consolas" pitchFamily="49" charset="0"/>
-                <a:cs typeface="Consolas" pitchFamily="49" charset="0"/>
-              </a:rPr>
-              <a:t>DataSource</a:t>
-            </a:r>
-            <a:endParaRPr lang="de-DE" dirty="0">
-              <a:latin typeface="Consolas" pitchFamily="49" charset="0"/>
-              <a:cs typeface="Consolas" pitchFamily="49" charset="0"/>
-            </a:endParaRPr>
-          </a:p>
-          <a:p>
-            <a:r>
-              <a:rPr lang="de-DE" dirty="0">
-                <a:latin typeface="Consolas" pitchFamily="49" charset="0"/>
-                <a:cs typeface="Consolas" pitchFamily="49" charset="0"/>
-              </a:rPr>
-              <a:t>    </a:t>
-            </a:r>
-            <a:r>
-              <a:rPr lang="de-DE" dirty="0" err="1" smtClean="0">
-                <a:latin typeface="Consolas" pitchFamily="49" charset="0"/>
-                <a:cs typeface="Consolas" pitchFamily="49" charset="0"/>
-              </a:rPr>
-              <a:t>UrlMappings</a:t>
-            </a:r>
-            <a:endParaRPr lang="de-DE" dirty="0">
-              <a:latin typeface="Consolas" pitchFamily="49" charset="0"/>
-              <a:cs typeface="Consolas" pitchFamily="49" charset="0"/>
-            </a:endParaRPr>
-          </a:p>
-        </p:txBody>
-      </p:sp>
-      <p:sp>
-        <p:nvSpPr>
           <p:cNvPr id="4" name="Titel 1"/>
           <p:cNvSpPr txBox="1">
             <a:spLocks/>
@@ -13739,6 +13346,126 @@
           </a:p>
         </p:txBody>
       </p:sp>
+      <p:pic>
+        <p:nvPicPr>
+          <p:cNvPr id="2" name="Bild 1" descr="Bildschirmfoto 2015-04-21 um 16.13.31.png"/>
+          <p:cNvPicPr>
+            <a:picLocks noChangeAspect="1"/>
+          </p:cNvPicPr>
+          <p:nvPr/>
+        </p:nvPicPr>
+        <p:blipFill>
+          <a:blip r:embed="rId3">
+            <a:extLst>
+              <a:ext uri="{28A0092B-C50C-407E-A947-70E740481C1C}">
+                <a14:useLocalDpi xmlns:a14="http://schemas.microsoft.com/office/drawing/2010/main" val="0"/>
+              </a:ext>
+            </a:extLst>
+          </a:blip>
+          <a:stretch>
+            <a:fillRect/>
+          </a:stretch>
+        </p:blipFill>
+        <p:spPr>
+          <a:xfrm>
+            <a:off x="1475656" y="1662113"/>
+            <a:ext cx="3615208" cy="2122884"/>
+          </a:xfrm>
+          <a:prstGeom prst="rect">
+            <a:avLst/>
+          </a:prstGeom>
+          <a:ln>
+            <a:noFill/>
+          </a:ln>
+          <a:effectLst>
+            <a:outerShdw blurRad="292100" dist="139700" dir="2700000" algn="tl" rotWithShape="0">
+              <a:srgbClr val="333333">
+                <a:alpha val="65000"/>
+              </a:srgbClr>
+            </a:outerShdw>
+          </a:effectLst>
+        </p:spPr>
+      </p:pic>
+      <p:pic>
+        <p:nvPicPr>
+          <p:cNvPr id="3" name="Bild 2" descr="Bildschirmfoto 2015-04-21 um 16.14.44.png"/>
+          <p:cNvPicPr>
+            <a:picLocks noChangeAspect="1"/>
+          </p:cNvPicPr>
+          <p:nvPr/>
+        </p:nvPicPr>
+        <p:blipFill>
+          <a:blip r:embed="rId4">
+            <a:extLst>
+              <a:ext uri="{28A0092B-C50C-407E-A947-70E740481C1C}">
+                <a14:useLocalDpi xmlns:a14="http://schemas.microsoft.com/office/drawing/2010/main" val="0"/>
+              </a:ext>
+            </a:extLst>
+          </a:blip>
+          <a:stretch>
+            <a:fillRect/>
+          </a:stretch>
+        </p:blipFill>
+        <p:spPr>
+          <a:xfrm>
+            <a:off x="4267483" y="4149080"/>
+            <a:ext cx="3247575" cy="508124"/>
+          </a:xfrm>
+          <a:prstGeom prst="rect">
+            <a:avLst/>
+          </a:prstGeom>
+          <a:ln>
+            <a:noFill/>
+          </a:ln>
+          <a:effectLst>
+            <a:outerShdw blurRad="292100" dist="139700" dir="2700000" algn="tl" rotWithShape="0">
+              <a:srgbClr val="333333">
+                <a:alpha val="65000"/>
+              </a:srgbClr>
+            </a:outerShdw>
+          </a:effectLst>
+        </p:spPr>
+      </p:pic>
+      <p:pic>
+        <p:nvPicPr>
+          <p:cNvPr id="5" name="Bild 4" descr="Bildschirmfoto 2015-04-21 um 16.14.28.png"/>
+          <p:cNvPicPr>
+            <a:picLocks noChangeAspect="1"/>
+          </p:cNvPicPr>
+          <p:nvPr/>
+        </p:nvPicPr>
+        <p:blipFill>
+          <a:blip r:embed="rId5">
+            <a:extLst>
+              <a:ext uri="{28A0092B-C50C-407E-A947-70E740481C1C}">
+                <a14:useLocalDpi xmlns:a14="http://schemas.microsoft.com/office/drawing/2010/main" val="0"/>
+              </a:ext>
+            </a:extLst>
+          </a:blip>
+          <a:stretch>
+            <a:fillRect/>
+          </a:stretch>
+        </p:blipFill>
+        <p:spPr>
+          <a:xfrm>
+            <a:off x="1691680" y="5201580"/>
+            <a:ext cx="2864532" cy="520824"/>
+          </a:xfrm>
+          <a:prstGeom prst="rect">
+            <a:avLst/>
+          </a:prstGeom>
+          <a:ln>
+            <a:noFill/>
+          </a:ln>
+          <a:effectLst>
+            <a:outerShdw blurRad="292100" dist="139700" dir="2700000" algn="tl" rotWithShape="0">
+              <a:srgbClr val="333333">
+                <a:alpha val="65000"/>
+              </a:srgbClr>
+            </a:outerShdw>
+          </a:effectLst>
+        </p:spPr>
+      </p:pic>
     </p:spTree>
     <p:extLst>
       <p:ext uri="{BB962C8B-B14F-4D97-AF65-F5344CB8AC3E}">
@@ -14733,46 +14460,44 @@
       </p:grpSpPr>
       <p:sp>
         <p:nvSpPr>
-          <p:cNvPr id="2" name="Titel 1"/>
+          <p:cNvPr id="2" name="Inhaltsplatzhalter 1"/>
           <p:cNvSpPr>
             <a:spLocks noGrp="1"/>
           </p:cNvSpPr>
           <p:nvPr>
-            <p:ph type="title"/>
+            <p:ph idx="1"/>
           </p:nvPr>
         </p:nvSpPr>
-        <p:spPr>
-          <a:xfrm>
-            <a:off x="457200" y="274638"/>
-            <a:ext cx="8229600" cy="6322714"/>
-          </a:xfrm>
-        </p:spPr>
+        <p:spPr/>
         <p:txBody>
-          <a:bodyPr>
-            <a:noAutofit/>
-          </a:bodyPr>
+          <a:bodyPr/>
           <a:lstStyle/>
           <a:p>
             <a:r>
-              <a:rPr lang="de-DE" sz="23900" dirty="0" smtClean="0">
-                <a:solidFill>
-                  <a:srgbClr val="FF0000"/>
-                </a:solidFill>
-              </a:rPr>
-              <a:t>TODO</a:t>
-            </a:r>
-            <a:endParaRPr lang="de-DE" sz="23900" dirty="0">
-              <a:solidFill>
-                <a:srgbClr val="FF0000"/>
-              </a:solidFill>
-            </a:endParaRPr>
+              <a:rPr lang="de-DE" dirty="0" smtClean="0"/>
+              <a:t>Grails</a:t>
+            </a:r>
+            <a:endParaRPr lang="de-DE" dirty="0"/>
+          </a:p>
+          <a:p>
+            <a:r>
+              <a:rPr lang="de-DE" dirty="0" smtClean="0"/>
+              <a:t>&amp;</a:t>
+            </a:r>
+          </a:p>
+          <a:p>
+            <a:r>
+              <a:rPr lang="de-DE" dirty="0" err="1" smtClean="0"/>
+              <a:t>AngularJS</a:t>
+            </a:r>
+            <a:endParaRPr lang="de-DE" dirty="0"/>
           </a:p>
         </p:txBody>
       </p:sp>
     </p:spTree>
     <p:extLst>
       <p:ext uri="{BB962C8B-B14F-4D97-AF65-F5344CB8AC3E}">
-        <p14:creationId xmlns:p14="http://schemas.microsoft.com/office/powerpoint/2010/main" val="2940830091"/>
+        <p14:creationId xmlns:p14="http://schemas.microsoft.com/office/powerpoint/2010/main" val="2005587405"/>
       </p:ext>
     </p:extLst>
   </p:cSld>
@@ -14791,6 +14516,13 @@
       </p:transition>
     </mc:Fallback>
   </mc:AlternateContent>
+  <p:timing>
+    <p:tnLst>
+      <p:par>
+        <p:cTn xmlns:p14="http://schemas.microsoft.com/office/powerpoint/2010/main" id="1" dur="indefinite" restart="never" nodeType="tmRoot"/>
+      </p:par>
+    </p:tnLst>
+  </p:timing>
 </p:sld>
 </file>
 
@@ -15069,91 +14801,6 @@
 </file>
 
 <file path=ppt/slides/slide20.xml><?xml version="1.0" encoding="utf-8"?>
-<p:sld xmlns:a="http://schemas.openxmlformats.org/drawingml/2006/main" xmlns:r="http://schemas.openxmlformats.org/officeDocument/2006/relationships" xmlns:p="http://schemas.openxmlformats.org/presentationml/2006/main">
-  <p:cSld>
-    <p:spTree>
-      <p:nvGrpSpPr>
-        <p:cNvPr id="1" name=""/>
-        <p:cNvGrpSpPr/>
-        <p:nvPr/>
-      </p:nvGrpSpPr>
-      <p:grpSpPr>
-        <a:xfrm>
-          <a:off x="0" y="0"/>
-          <a:ext cx="0" cy="0"/>
-          <a:chOff x="0" y="0"/>
-          <a:chExt cx="0" cy="0"/>
-        </a:xfrm>
-      </p:grpSpPr>
-      <p:sp>
-        <p:nvSpPr>
-          <p:cNvPr id="2" name="Inhaltsplatzhalter 1"/>
-          <p:cNvSpPr>
-            <a:spLocks noGrp="1"/>
-          </p:cNvSpPr>
-          <p:nvPr>
-            <p:ph idx="1"/>
-          </p:nvPr>
-        </p:nvSpPr>
-        <p:spPr/>
-        <p:txBody>
-          <a:bodyPr/>
-          <a:lstStyle/>
-          <a:p>
-            <a:r>
-              <a:rPr lang="de-DE" dirty="0" smtClean="0"/>
-              <a:t>Grails</a:t>
-            </a:r>
-            <a:endParaRPr lang="de-DE" dirty="0"/>
-          </a:p>
-          <a:p>
-            <a:r>
-              <a:rPr lang="de-DE" dirty="0" smtClean="0"/>
-              <a:t>&amp;</a:t>
-            </a:r>
-          </a:p>
-          <a:p>
-            <a:r>
-              <a:rPr lang="de-DE" dirty="0" err="1" smtClean="0"/>
-              <a:t>AngularJS</a:t>
-            </a:r>
-            <a:endParaRPr lang="de-DE" dirty="0"/>
-          </a:p>
-        </p:txBody>
-      </p:sp>
-    </p:spTree>
-    <p:extLst>
-      <p:ext uri="{BB962C8B-B14F-4D97-AF65-F5344CB8AC3E}">
-        <p14:creationId xmlns:p14="http://schemas.microsoft.com/office/powerpoint/2010/main" val="2005587405"/>
-      </p:ext>
-    </p:extLst>
-  </p:cSld>
-  <p:clrMapOvr>
-    <a:masterClrMapping/>
-  </p:clrMapOvr>
-  <mc:AlternateContent xmlns:mc="http://schemas.openxmlformats.org/markup-compatibility/2006" xmlns:p14="http://schemas.microsoft.com/office/powerpoint/2010/main">
-    <mc:Choice Requires="p14">
-      <p:transition spd="med" p14:dur="700">
-        <p:fade/>
-      </p:transition>
-    </mc:Choice>
-    <mc:Fallback xmlns="">
-      <p:transition xmlns:p14="http://schemas.microsoft.com/office/powerpoint/2010/main" spd="med">
-        <p:fade/>
-      </p:transition>
-    </mc:Fallback>
-  </mc:AlternateContent>
-  <p:timing>
-    <p:tnLst>
-      <p:par>
-        <p:cTn xmlns:p14="http://schemas.microsoft.com/office/powerpoint/2010/main" id="1" dur="indefinite" restart="never" nodeType="tmRoot"/>
-      </p:par>
-    </p:tnLst>
-  </p:timing>
-</p:sld>
-</file>
-
-<file path=ppt/slides/slide21.xml><?xml version="1.0" encoding="utf-8"?>
 <p:sld xmlns:a="http://schemas.openxmlformats.org/drawingml/2006/main" xmlns:r="http://schemas.openxmlformats.org/officeDocument/2006/relationships" xmlns:p="http://schemas.openxmlformats.org/presentationml/2006/main">
   <p:cSld>
     <p:spTree>
@@ -15435,7 +15082,7 @@
 </p:sld>
 </file>
 
-<file path=ppt/slides/slide22.xml><?xml version="1.0" encoding="utf-8"?>
+<file path=ppt/slides/slide21.xml><?xml version="1.0" encoding="utf-8"?>
 <p:sld xmlns:a="http://schemas.openxmlformats.org/drawingml/2006/main" xmlns:r="http://schemas.openxmlformats.org/officeDocument/2006/relationships" xmlns:p="http://schemas.openxmlformats.org/presentationml/2006/main">
   <p:cSld>
     <p:spTree>
@@ -15595,7 +15242,7 @@
 </p:sld>
 </file>
 
-<file path=ppt/slides/slide23.xml><?xml version="1.0" encoding="utf-8"?>
+<file path=ppt/slides/slide22.xml><?xml version="1.0" encoding="utf-8"?>
 <p:sld xmlns:a="http://schemas.openxmlformats.org/drawingml/2006/main" xmlns:r="http://schemas.openxmlformats.org/officeDocument/2006/relationships" xmlns:p="http://schemas.openxmlformats.org/presentationml/2006/main">
   <p:cSld>
     <p:spTree>
@@ -16535,7 +16182,7 @@
 </p:sld>
 </file>
 
-<file path=ppt/slides/slide24.xml><?xml version="1.0" encoding="utf-8"?>
+<file path=ppt/slides/slide23.xml><?xml version="1.0" encoding="utf-8"?>
 <p:sld xmlns:a="http://schemas.openxmlformats.org/drawingml/2006/main" xmlns:r="http://schemas.openxmlformats.org/officeDocument/2006/relationships" xmlns:p="http://schemas.openxmlformats.org/presentationml/2006/main">
   <p:cSld>
     <p:spTree>
@@ -16901,7 +16548,7 @@
 </p:sld>
 </file>
 
-<file path=ppt/slides/slide25.xml><?xml version="1.0" encoding="utf-8"?>
+<file path=ppt/slides/slide24.xml><?xml version="1.0" encoding="utf-8"?>
 <p:sld xmlns:a="http://schemas.openxmlformats.org/drawingml/2006/main" xmlns:r="http://schemas.openxmlformats.org/officeDocument/2006/relationships" xmlns:p="http://schemas.openxmlformats.org/presentationml/2006/main">
   <p:cSld>
     <p:spTree>
@@ -17053,7 +16700,7 @@
 </p:sld>
 </file>
 
-<file path=ppt/slides/slide26.xml><?xml version="1.0" encoding="utf-8"?>
+<file path=ppt/slides/slide25.xml><?xml version="1.0" encoding="utf-8"?>
 <p:sld xmlns:a="http://schemas.openxmlformats.org/drawingml/2006/main" xmlns:r="http://schemas.openxmlformats.org/officeDocument/2006/relationships" xmlns:p="http://schemas.openxmlformats.org/presentationml/2006/main">
   <p:cSld>
     <p:spTree>
@@ -17282,7 +16929,7 @@
 </p:sld>
 </file>
 
-<file path=ppt/slides/slide27.xml><?xml version="1.0" encoding="utf-8"?>
+<file path=ppt/slides/slide26.xml><?xml version="1.0" encoding="utf-8"?>
 <p:sld xmlns:a="http://schemas.openxmlformats.org/drawingml/2006/main" xmlns:r="http://schemas.openxmlformats.org/officeDocument/2006/relationships" xmlns:p="http://schemas.openxmlformats.org/presentationml/2006/main">
   <p:cSld>
     <p:spTree>
@@ -17388,7 +17035,7 @@
 </p:sld>
 </file>
 
-<file path=ppt/slides/slide28.xml><?xml version="1.0" encoding="utf-8"?>
+<file path=ppt/slides/slide27.xml><?xml version="1.0" encoding="utf-8"?>
 <p:sld xmlns:a="http://schemas.openxmlformats.org/drawingml/2006/main" xmlns:r="http://schemas.openxmlformats.org/officeDocument/2006/relationships" xmlns:p="http://schemas.openxmlformats.org/presentationml/2006/main" show="0">
   <p:cSld>
     <p:spTree>
@@ -17438,9 +17085,16 @@
             <p:ph idx="1"/>
           </p:nvPr>
         </p:nvSpPr>
-        <p:spPr/>
+        <p:spPr>
+          <a:xfrm>
+            <a:off x="457200" y="1600200"/>
+            <a:ext cx="8229600" cy="4925144"/>
+          </a:xfrm>
+        </p:spPr>
         <p:txBody>
-          <a:bodyPr anchor="t"/>
+          <a:bodyPr anchor="t">
+            <a:normAutofit fontScale="92500"/>
+          </a:bodyPr>
           <a:lstStyle/>
           <a:p>
             <a:pPr marL="457200" indent="-457200" algn="l">
@@ -17471,11 +17125,66 @@
             </a:pPr>
             <a:r>
               <a:rPr lang="de-DE" dirty="0" smtClean="0"/>
-              <a:t>Templates im Template</a:t>
-            </a:r>
-            <a:r>
-              <a:rPr lang="de-DE" smtClean="0"/>
-              <a:t>-Cache</a:t>
+              <a:t>Templates im Template-Cache</a:t>
+            </a:r>
+          </a:p>
+          <a:p>
+            <a:pPr marL="914400" lvl="1" indent="-457200" algn="l">
+              <a:buFont typeface="Arial"/>
+              <a:buChar char="•"/>
+            </a:pPr>
+            <a:r>
+              <a:rPr lang="de-DE" dirty="0" smtClean="0"/>
+              <a:t>Debugging in einzelne JS-Dateien hinein</a:t>
+            </a:r>
+          </a:p>
+          <a:p>
+            <a:pPr marL="914400" lvl="1" indent="-457200" algn="l">
+              <a:buFont typeface="Arial"/>
+              <a:buChar char="•"/>
+            </a:pPr>
+            <a:r>
+              <a:rPr lang="de-DE" dirty="0" err="1" smtClean="0"/>
+              <a:t>Minifizierung</a:t>
+            </a:r>
+            <a:r>
+              <a:rPr lang="de-DE" dirty="0"/>
+              <a:t> </a:t>
+            </a:r>
+            <a:r>
+              <a:rPr lang="de-DE" dirty="0" smtClean="0"/>
+              <a:t>der </a:t>
+            </a:r>
+            <a:r>
+              <a:rPr lang="de-DE" dirty="0" err="1" smtClean="0"/>
+              <a:t>Assets</a:t>
+            </a:r>
+            <a:endParaRPr lang="de-DE" dirty="0" smtClean="0"/>
+          </a:p>
+          <a:p>
+            <a:pPr marL="914400" lvl="1" indent="-457200" algn="l">
+              <a:buFont typeface="Arial"/>
+              <a:buChar char="•"/>
+            </a:pPr>
+            <a:r>
+              <a:rPr lang="de-DE" dirty="0" err="1" smtClean="0"/>
+              <a:t>Shared</a:t>
+            </a:r>
+            <a:r>
+              <a:rPr lang="de-DE" dirty="0" smtClean="0"/>
+              <a:t> Resources zwischen </a:t>
+            </a:r>
+            <a:r>
+              <a:rPr lang="de-DE" dirty="0" err="1" smtClean="0"/>
+              <a:t>Grails</a:t>
+            </a:r>
+            <a:r>
+              <a:rPr lang="de-DE" dirty="0" smtClean="0"/>
+              <a:t> und </a:t>
+            </a:r>
+            <a:r>
+              <a:rPr lang="de-DE" dirty="0" err="1" smtClean="0"/>
+              <a:t>AngularJS</a:t>
             </a:r>
             <a:endParaRPr lang="de-DE" dirty="0" smtClean="0"/>
           </a:p>
@@ -17487,6 +17196,16 @@
             <a:r>
               <a:rPr lang="de-DE" dirty="0" smtClean="0"/>
               <a:t>Security</a:t>
+            </a:r>
+          </a:p>
+          <a:p>
+            <a:pPr marL="914400" lvl="1" indent="-457200" algn="l">
+              <a:buFont typeface="Arial"/>
+              <a:buChar char="•"/>
+            </a:pPr>
+            <a:r>
+              <a:rPr lang="de-DE" dirty="0" smtClean="0"/>
+              <a:t>CSRF</a:t>
             </a:r>
           </a:p>
           <a:p>
@@ -17583,7 +17302,7 @@
 </p:sld>
 </file>
 
-<file path=ppt/slides/slide29.xml><?xml version="1.0" encoding="utf-8"?>
+<file path=ppt/slides/slide28.xml><?xml version="1.0" encoding="utf-8"?>
 <p:sld xmlns:a="http://schemas.openxmlformats.org/drawingml/2006/main" xmlns:r="http://schemas.openxmlformats.org/officeDocument/2006/relationships" xmlns:p="http://schemas.openxmlformats.org/presentationml/2006/main">
   <p:cSld>
     <p:spTree>
@@ -17627,6 +17346,138 @@
     <p:extLst>
       <p:ext uri="{BB962C8B-B14F-4D97-AF65-F5344CB8AC3E}">
         <p14:creationId xmlns:p14="http://schemas.microsoft.com/office/powerpoint/2010/main" val="4077507125"/>
+      </p:ext>
+    </p:extLst>
+  </p:cSld>
+  <p:clrMapOvr>
+    <a:masterClrMapping/>
+  </p:clrMapOvr>
+  <mc:AlternateContent xmlns:mc="http://schemas.openxmlformats.org/markup-compatibility/2006" xmlns:p14="http://schemas.microsoft.com/office/powerpoint/2010/main">
+    <mc:Choice Requires="p14">
+      <p:transition spd="med" p14:dur="700">
+        <p:fade/>
+      </p:transition>
+    </mc:Choice>
+    <mc:Fallback xmlns="">
+      <p:transition xmlns:p14="http://schemas.microsoft.com/office/powerpoint/2010/main" spd="med">
+        <p:fade/>
+      </p:transition>
+    </mc:Fallback>
+  </mc:AlternateContent>
+  <p:timing>
+    <p:tnLst>
+      <p:par>
+        <p:cTn xmlns:p14="http://schemas.microsoft.com/office/powerpoint/2010/main" id="1" dur="indefinite" restart="never" nodeType="tmRoot"/>
+      </p:par>
+    </p:tnLst>
+  </p:timing>
+</p:sld>
+</file>
+
+<file path=ppt/slides/slide29.xml><?xml version="1.0" encoding="utf-8"?>
+<p:sld xmlns:a="http://schemas.openxmlformats.org/drawingml/2006/main" xmlns:r="http://schemas.openxmlformats.org/officeDocument/2006/relationships" xmlns:p="http://schemas.openxmlformats.org/presentationml/2006/main">
+  <p:cSld>
+    <p:spTree>
+      <p:nvGrpSpPr>
+        <p:cNvPr id="1" name=""/>
+        <p:cNvGrpSpPr/>
+        <p:nvPr/>
+      </p:nvGrpSpPr>
+      <p:grpSpPr>
+        <a:xfrm>
+          <a:off x="0" y="0"/>
+          <a:ext cx="0" cy="0"/>
+          <a:chOff x="0" y="0"/>
+          <a:chExt cx="0" cy="0"/>
+        </a:xfrm>
+      </p:grpSpPr>
+      <p:sp>
+        <p:nvSpPr>
+          <p:cNvPr id="2" name="Titel 1"/>
+          <p:cNvSpPr>
+            <a:spLocks noGrp="1"/>
+          </p:cNvSpPr>
+          <p:nvPr>
+            <p:ph type="title"/>
+          </p:nvPr>
+        </p:nvSpPr>
+        <p:spPr/>
+        <p:txBody>
+          <a:bodyPr/>
+          <a:lstStyle/>
+          <a:p>
+            <a:r>
+              <a:rPr lang="de-DE" dirty="0" smtClean="0"/>
+              <a:t>Fazit (1)</a:t>
+            </a:r>
+            <a:endParaRPr lang="de-DE" dirty="0"/>
+          </a:p>
+        </p:txBody>
+      </p:sp>
+      <p:sp>
+        <p:nvSpPr>
+          <p:cNvPr id="3" name="Inhaltsplatzhalter 2"/>
+          <p:cNvSpPr>
+            <a:spLocks noGrp="1"/>
+          </p:cNvSpPr>
+          <p:nvPr>
+            <p:ph idx="1"/>
+          </p:nvPr>
+        </p:nvSpPr>
+        <p:spPr/>
+        <p:txBody>
+          <a:bodyPr>
+            <a:normAutofit/>
+          </a:bodyPr>
+          <a:lstStyle/>
+          <a:p>
+            <a:pPr algn="just"/>
+            <a:r>
+              <a:rPr lang="de-DE" sz="2800" b="0" dirty="0" err="1"/>
+              <a:t>AngularJS</a:t>
+            </a:r>
+            <a:r>
+              <a:rPr lang="de-DE" sz="2800" b="0" dirty="0"/>
+              <a:t> ermöglicht eine produktive Entwicklung von Single-Page-Apps als Konsument eines REST-</a:t>
+            </a:r>
+            <a:r>
+              <a:rPr lang="de-DE" sz="2800" b="0" dirty="0" err="1"/>
+              <a:t>Backends</a:t>
+            </a:r>
+            <a:r>
+              <a:rPr lang="de-DE" sz="2800" b="0" dirty="0"/>
+              <a:t>.</a:t>
+            </a:r>
+          </a:p>
+          <a:p>
+            <a:pPr algn="just"/>
+            <a:endParaRPr lang="de-DE" sz="2800" b="0" dirty="0" smtClean="0"/>
+          </a:p>
+          <a:p>
+            <a:pPr algn="just"/>
+            <a:r>
+              <a:rPr lang="de-DE" sz="2800" b="0" dirty="0" err="1" smtClean="0"/>
+              <a:t>Grails</a:t>
+            </a:r>
+            <a:r>
+              <a:rPr lang="de-DE" sz="2800" b="0" dirty="0" smtClean="0"/>
+              <a:t> ermöglicht die produktive Entwicklung von Multi-Page-Apps und des </a:t>
+            </a:r>
+            <a:r>
+              <a:rPr lang="de-DE" sz="2800" b="0" dirty="0" err="1" smtClean="0"/>
+              <a:t>Backends</a:t>
+            </a:r>
+            <a:r>
+              <a:rPr lang="de-DE" sz="2800" b="0" dirty="0" smtClean="0"/>
+              <a:t> für Single-Page-Apps.</a:t>
+            </a:r>
+          </a:p>
+        </p:txBody>
+      </p:sp>
+    </p:spTree>
+    <p:extLst>
+      <p:ext uri="{BB962C8B-B14F-4D97-AF65-F5344CB8AC3E}">
+        <p14:creationId xmlns:p14="http://schemas.microsoft.com/office/powerpoint/2010/main" val="2301932296"/>
       </p:ext>
     </p:extLst>
   </p:cSld>
@@ -17761,7 +17612,7 @@
           <a:p>
             <a:r>
               <a:rPr lang="de-DE" dirty="0" smtClean="0"/>
-              <a:t>Fazit (1)</a:t>
+              <a:t>Fazit (2)</a:t>
             </a:r>
             <a:endParaRPr lang="de-DE" dirty="0"/>
           </a:p>
@@ -17786,20 +17637,8 @@
           <a:p>
             <a:pPr algn="just"/>
             <a:r>
-              <a:rPr lang="de-DE" sz="2800" b="0" dirty="0" err="1"/>
-              <a:t>AngularJS</a:t>
-            </a:r>
-            <a:r>
-              <a:rPr lang="de-DE" sz="2800" b="0" dirty="0"/>
-              <a:t> ermöglicht eine produktive Entwicklung von Single-Page-Apps als Konsument eines REST-</a:t>
-            </a:r>
-            <a:r>
-              <a:rPr lang="de-DE" sz="2800" b="0" dirty="0" err="1"/>
-              <a:t>Backends</a:t>
-            </a:r>
-            <a:r>
-              <a:rPr lang="de-DE" sz="2800" b="0" dirty="0"/>
-              <a:t>.</a:t>
+              <a:rPr lang="de-DE" sz="2800" b="0" dirty="0" smtClean="0"/>
+              <a:t>Eine Trennung in separate Projekte erlaubt die Entkopplung von Frontend und Backend bei Entwicklung und im Betrieb.</a:t>
             </a:r>
           </a:p>
           <a:p>
@@ -17809,28 +17648,25 @@
           <a:p>
             <a:pPr algn="just"/>
             <a:r>
+              <a:rPr lang="de-DE" sz="2800" b="0" dirty="0" smtClean="0"/>
+              <a:t>Da </a:t>
+            </a:r>
+            <a:r>
               <a:rPr lang="de-DE" sz="2800" b="0" dirty="0" err="1" smtClean="0"/>
-              <a:t>Grails</a:t>
+              <a:t>AngularJS</a:t>
             </a:r>
             <a:r>
               <a:rPr lang="de-DE" sz="2800" b="0" dirty="0" smtClean="0"/>
-              <a:t> ermöglicht die produktive Entwicklung von Multi-Page-Apps und des </a:t>
-            </a:r>
-            <a:r>
-              <a:rPr lang="de-DE" sz="2800" b="0" dirty="0" err="1" smtClean="0"/>
-              <a:t>Backends</a:t>
-            </a:r>
-            <a:r>
-              <a:rPr lang="de-DE" sz="2800" b="0" dirty="0" smtClean="0"/>
-              <a:t> für Single-Page-Apps.</a:t>
-            </a:r>
+              <a:t> optional nur Teile einer Page "kontrollieren" kann, ist auch eine Mischung von Multi-Page- und Single-Page-Architektur möglich.</a:t>
+            </a:r>
+            <a:endParaRPr lang="de-DE" sz="2800" b="0" dirty="0"/>
           </a:p>
         </p:txBody>
       </p:sp>
     </p:spTree>
     <p:extLst>
       <p:ext uri="{BB962C8B-B14F-4D97-AF65-F5344CB8AC3E}">
-        <p14:creationId xmlns:p14="http://schemas.microsoft.com/office/powerpoint/2010/main" val="2301932296"/>
+        <p14:creationId xmlns:p14="http://schemas.microsoft.com/office/powerpoint/2010/main" val="3702998070"/>
       </p:ext>
     </p:extLst>
   </p:cSld>
@@ -17886,68 +17722,38 @@
             <p:ph type="title"/>
           </p:nvPr>
         </p:nvSpPr>
-        <p:spPr/>
-        <p:txBody>
-          <a:bodyPr/>
-          <a:lstStyle/>
-          <a:p>
-            <a:r>
-              <a:rPr lang="de-DE" dirty="0" smtClean="0"/>
-              <a:t>Fazit (2)</a:t>
-            </a:r>
-            <a:endParaRPr lang="de-DE" dirty="0"/>
-          </a:p>
-        </p:txBody>
-      </p:sp>
-      <p:sp>
-        <p:nvSpPr>
-          <p:cNvPr id="3" name="Inhaltsplatzhalter 2"/>
-          <p:cNvSpPr>
-            <a:spLocks noGrp="1"/>
-          </p:cNvSpPr>
-          <p:nvPr>
-            <p:ph idx="1"/>
-          </p:nvPr>
-        </p:nvSpPr>
-        <p:spPr/>
+        <p:spPr>
+          <a:xfrm>
+            <a:off x="457200" y="274638"/>
+            <a:ext cx="8229600" cy="6322714"/>
+          </a:xfrm>
+        </p:spPr>
         <p:txBody>
           <a:bodyPr>
-            <a:normAutofit/>
+            <a:noAutofit/>
           </a:bodyPr>
           <a:lstStyle/>
           <a:p>
-            <a:pPr algn="just"/>
-            <a:r>
-              <a:rPr lang="de-DE" sz="2800" b="0" dirty="0" smtClean="0"/>
-              <a:t>Eine Trennung in separate Projekte erlaubt die Entkopplung von Frontend und Backend bei Entwicklung und im Betrieb.</a:t>
-            </a:r>
-          </a:p>
-          <a:p>
-            <a:pPr algn="just"/>
-            <a:endParaRPr lang="de-DE" sz="2800" b="0" dirty="0" smtClean="0"/>
-          </a:p>
-          <a:p>
-            <a:pPr algn="just"/>
-            <a:r>
-              <a:rPr lang="de-DE" sz="2800" b="0" dirty="0" smtClean="0"/>
-              <a:t>Da </a:t>
-            </a:r>
-            <a:r>
-              <a:rPr lang="de-DE" sz="2800" b="0" dirty="0" err="1" smtClean="0"/>
-              <a:t>AngularJS</a:t>
-            </a:r>
-            <a:r>
-              <a:rPr lang="de-DE" sz="2800" b="0" dirty="0" smtClean="0"/>
-              <a:t> optional nur Teile einer Page "kontrollieren" kann, ist auch eine Mischung von Multi-Page- und Single-Page-Architektur möglich.</a:t>
-            </a:r>
-            <a:endParaRPr lang="de-DE" sz="2800" b="0" dirty="0"/>
+            <a:r>
+              <a:rPr lang="de-DE" sz="23900" dirty="0" smtClean="0">
+                <a:solidFill>
+                  <a:srgbClr val="FF0000"/>
+                </a:solidFill>
+              </a:rPr>
+              <a:t>TODO</a:t>
+            </a:r>
+            <a:endParaRPr lang="de-DE" sz="23900" dirty="0">
+              <a:solidFill>
+                <a:srgbClr val="FF0000"/>
+              </a:solidFill>
+            </a:endParaRPr>
           </a:p>
         </p:txBody>
       </p:sp>
     </p:spTree>
     <p:extLst>
       <p:ext uri="{BB962C8B-B14F-4D97-AF65-F5344CB8AC3E}">
-        <p14:creationId xmlns:p14="http://schemas.microsoft.com/office/powerpoint/2010/main" val="3702998070"/>
+        <p14:creationId xmlns:p14="http://schemas.microsoft.com/office/powerpoint/2010/main" val="301090119"/>
       </p:ext>
     </p:extLst>
   </p:cSld>
@@ -17966,13 +17772,6 @@
       </p:transition>
     </mc:Fallback>
   </mc:AlternateContent>
-  <p:timing>
-    <p:tnLst>
-      <p:par>
-        <p:cTn xmlns:p14="http://schemas.microsoft.com/office/powerpoint/2010/main" id="1" dur="indefinite" restart="never" nodeType="tmRoot"/>
-      </p:par>
-    </p:tnLst>
-  </p:timing>
 </p:sld>
 </file>
 

--- a/Presentation.pptx
+++ b/Presentation.pptx
@@ -3432,7 +3432,7 @@
             <a:fld id="{600A7168-685E-42A5-A6B5-B6E3AF6AADAA}" type="datetimeFigureOut">
               <a:rPr lang="de-DE" smtClean="0"/>
               <a:pPr/>
-              <a:t>21.04.15</a:t>
+              <a:t>22.04.15</a:t>
             </a:fld>
             <a:endParaRPr lang="de-DE"/>
           </a:p>
@@ -12440,7 +12440,6 @@
               <a:rPr lang="de-DE" dirty="0"/>
               <a:t> - das Beste von Server und Client vereint</a:t>
             </a:r>
-            <a:endParaRPr lang="de-DE" dirty="0"/>
           </a:p>
         </p:txBody>
       </p:sp>
@@ -12486,13 +12485,6 @@
               </a:rPr>
               <a:t>Stefan Glase</a:t>
             </a:r>
-            <a:endParaRPr lang="de-DE" dirty="0" smtClean="0">
-              <a:solidFill>
-                <a:schemeClr val="bg1">
-                  <a:lumMod val="50000"/>
-                </a:schemeClr>
-              </a:solidFill>
-            </a:endParaRPr>
           </a:p>
         </p:txBody>
       </p:sp>
@@ -14690,7 +14682,7 @@
         <p:spPr>
           <a:xfrm>
             <a:off x="1727684" y="4293096"/>
-            <a:ext cx="5688632" cy="966418"/>
+            <a:ext cx="5688632" cy="1409617"/>
           </a:xfrm>
           <a:prstGeom prst="rect">
             <a:avLst/>
@@ -14714,15 +14706,43 @@
                   <a:srgbClr val="1E2959"/>
                 </a:solidFill>
               </a:rPr>
-              <a:t>Kerry.Walder@</a:t>
-            </a:r>
+              <a:t>Kerry.Walder@opitz-consulting.com</a:t>
+            </a:r>
+            <a:endParaRPr lang="de-DE" sz="2400" b="1" dirty="0" smtClean="0">
+              <a:solidFill>
+                <a:srgbClr val="1E2959"/>
+              </a:solidFill>
+            </a:endParaRPr>
+          </a:p>
+          <a:p>
+            <a:pPr algn="ctr">
+              <a:lnSpc>
+                <a:spcPct val="120000"/>
+              </a:lnSpc>
+            </a:pPr>
             <a:r>
               <a:rPr lang="de-DE" sz="2400" b="1" dirty="0" err="1" smtClean="0">
                 <a:solidFill>
                   <a:srgbClr val="1E2959"/>
                 </a:solidFill>
               </a:rPr>
-              <a:t>opitz-consulting.com</a:t>
+              <a:t>twitter</a:t>
+            </a:r>
+            <a:r>
+              <a:rPr lang="de-DE" sz="2400" b="1" dirty="0" smtClean="0">
+                <a:solidFill>
+                  <a:srgbClr val="1E2959"/>
+                </a:solidFill>
+              </a:rPr>
+              <a:t>/</a:t>
+            </a:r>
+            <a:r>
+              <a:rPr lang="de-DE" sz="2400" b="1" dirty="0" err="1" smtClean="0">
+                <a:solidFill>
+                  <a:srgbClr val="1E2959"/>
+                </a:solidFill>
+              </a:rPr>
+              <a:t>kerrybik</a:t>
             </a:r>
             <a:endParaRPr lang="de-DE" sz="2400" b="1" dirty="0" smtClean="0">
               <a:solidFill>
@@ -14887,11 +14907,7 @@
             </a:r>
             <a:r>
               <a:rPr lang="de-DE" dirty="0" smtClean="0"/>
-              <a:t>-App </a:t>
-            </a:r>
-            <a:r>
-              <a:rPr lang="de-DE" dirty="0" smtClean="0"/>
-              <a:t>in die </a:t>
+              <a:t>-App in die </a:t>
             </a:r>
             <a:r>
               <a:rPr lang="de-DE" dirty="0" err="1" smtClean="0"/>
@@ -14901,7 +14917,6 @@
               <a:rPr lang="de-DE" dirty="0" smtClean="0"/>
               <a:t>-App eingebettet</a:t>
             </a:r>
-            <a:endParaRPr lang="de-DE" dirty="0" smtClean="0"/>
           </a:p>
         </p:txBody>
       </p:sp>

--- a/Presentation.pptx
+++ b/Presentation.pptx
@@ -30,19 +30,19 @@
     <p:sldId id="330" r:id="rId22"/>
     <p:sldId id="331" r:id="rId23"/>
     <p:sldId id="337" r:id="rId24"/>
-    <p:sldId id="308" r:id="rId25"/>
-    <p:sldId id="314" r:id="rId26"/>
-    <p:sldId id="349" r:id="rId27"/>
-    <p:sldId id="340" r:id="rId28"/>
-    <p:sldId id="341" r:id="rId29"/>
-    <p:sldId id="344" r:id="rId30"/>
-    <p:sldId id="345" r:id="rId31"/>
-    <p:sldId id="346" r:id="rId32"/>
-    <p:sldId id="350" r:id="rId33"/>
-    <p:sldId id="316" r:id="rId34"/>
-    <p:sldId id="325" r:id="rId35"/>
+    <p:sldId id="352" r:id="rId25"/>
+    <p:sldId id="308" r:id="rId26"/>
+    <p:sldId id="314" r:id="rId27"/>
+    <p:sldId id="349" r:id="rId28"/>
+    <p:sldId id="340" r:id="rId29"/>
+    <p:sldId id="341" r:id="rId30"/>
+    <p:sldId id="344" r:id="rId31"/>
+    <p:sldId id="345" r:id="rId32"/>
+    <p:sldId id="346" r:id="rId33"/>
+    <p:sldId id="350" r:id="rId34"/>
+    <p:sldId id="316" r:id="rId35"/>
     <p:sldId id="326" r:id="rId36"/>
-    <p:sldId id="351" r:id="rId37"/>
+    <p:sldId id="325" r:id="rId37"/>
     <p:sldId id="336" r:id="rId38"/>
     <p:sldId id="318" r:id="rId39"/>
   </p:sldIdLst>
@@ -3955,7 +3955,7 @@
             <a:fld id="{133286C6-4904-4CD0-891D-2F37ADC6A93C}" type="slidenum">
               <a:rPr lang="de-DE" smtClean="0"/>
               <a:pPr/>
-              <a:t>20</a:t>
+              <a:t>21</a:t>
             </a:fld>
             <a:endParaRPr lang="de-DE"/>
           </a:p>
@@ -4137,7 +4137,7 @@
             <a:fld id="{133286C6-4904-4CD0-891D-2F37ADC6A93C}" type="slidenum">
               <a:rPr lang="de-DE" smtClean="0"/>
               <a:pPr/>
-              <a:t>21</a:t>
+              <a:t>22</a:t>
             </a:fld>
             <a:endParaRPr lang="de-DE"/>
           </a:p>
@@ -4239,7 +4239,7 @@
                 <a:latin typeface="Calibri"/>
               </a:rPr>
               <a:pPr/>
-              <a:t>22</a:t>
+              <a:t>23</a:t>
             </a:fld>
             <a:endParaRPr lang="de-DE">
               <a:solidFill>
@@ -4426,7 +4426,7 @@
             <a:fld id="{133286C6-4904-4CD0-891D-2F37ADC6A93C}" type="slidenum">
               <a:rPr lang="de-DE" smtClean="0"/>
               <a:pPr/>
-              <a:t>24</a:t>
+              <a:t>25</a:t>
             </a:fld>
             <a:endParaRPr lang="de-DE"/>
           </a:p>
@@ -13524,7 +13524,11 @@
           <a:p>
             <a:r>
               <a:rPr lang="de-DE" dirty="0" smtClean="0"/>
-              <a:t>Fachklassenmodellierung</a:t>
+              <a:t>Domain </a:t>
+            </a:r>
+            <a:r>
+              <a:rPr lang="de-DE" dirty="0" err="1" smtClean="0"/>
+              <a:t>Classes</a:t>
             </a:r>
             <a:endParaRPr lang="de-DE" dirty="0"/>
           </a:p>
@@ -14452,7 +14456,34 @@
       </p:grpSpPr>
       <p:sp>
         <p:nvSpPr>
-          <p:cNvPr id="2" name="Inhaltsplatzhalter 1"/>
+          <p:cNvPr id="2" name="Titel 1"/>
+          <p:cNvSpPr>
+            <a:spLocks noGrp="1"/>
+          </p:cNvSpPr>
+          <p:nvPr>
+            <p:ph type="title"/>
+          </p:nvPr>
+        </p:nvSpPr>
+        <p:spPr/>
+        <p:txBody>
+          <a:bodyPr/>
+          <a:lstStyle/>
+          <a:p>
+            <a:r>
+              <a:rPr lang="de-DE" dirty="0" err="1" smtClean="0"/>
+              <a:t>Grails</a:t>
+            </a:r>
+            <a:r>
+              <a:rPr lang="de-DE" dirty="0" smtClean="0"/>
+              <a:t> 3</a:t>
+            </a:r>
+            <a:endParaRPr lang="de-DE" dirty="0"/>
+          </a:p>
+        </p:txBody>
+      </p:sp>
+      <p:sp>
+        <p:nvSpPr>
+          <p:cNvPr id="3" name="Inhaltsplatzhalter 2"/>
           <p:cNvSpPr>
             <a:spLocks noGrp="1"/>
           </p:cNvSpPr>
@@ -14465,22 +14496,72 @@
           <a:bodyPr/>
           <a:lstStyle/>
           <a:p>
+            <a:pPr marL="457200" indent="-457200">
+              <a:buFont typeface="Arial"/>
+              <a:buChar char="•"/>
+            </a:pPr>
             <a:r>
               <a:rPr lang="de-DE" dirty="0" smtClean="0"/>
-              <a:t>Grails</a:t>
-            </a:r>
-            <a:endParaRPr lang="de-DE" dirty="0"/>
-          </a:p>
-          <a:p>
+              <a:t>Gant -&gt; </a:t>
+            </a:r>
+            <a:r>
+              <a:rPr lang="de-DE" dirty="0" err="1" smtClean="0"/>
+              <a:t>Gradle</a:t>
+            </a:r>
+            <a:endParaRPr lang="de-DE" dirty="0" smtClean="0"/>
+          </a:p>
+          <a:p>
+            <a:pPr marL="457200" indent="-457200">
+              <a:buFont typeface="Arial"/>
+              <a:buChar char="•"/>
+            </a:pPr>
+            <a:r>
+              <a:rPr lang="de-DE" dirty="0" err="1" smtClean="0"/>
+              <a:t>Application</a:t>
+            </a:r>
             <a:r>
               <a:rPr lang="de-DE" dirty="0" smtClean="0"/>
-              <a:t>&amp;</a:t>
-            </a:r>
-          </a:p>
-          <a:p>
+              <a:t> </a:t>
+            </a:r>
             <a:r>
               <a:rPr lang="de-DE" dirty="0" err="1" smtClean="0"/>
-              <a:t>AngularJS</a:t>
+              <a:t>Profiles</a:t>
+            </a:r>
+            <a:endParaRPr lang="de-DE" dirty="0" smtClean="0"/>
+          </a:p>
+          <a:p>
+            <a:pPr marL="457200" indent="-457200">
+              <a:buFont typeface="Arial"/>
+              <a:buChar char="•"/>
+            </a:pPr>
+            <a:r>
+              <a:rPr lang="de-DE" dirty="0" err="1" smtClean="0"/>
+              <a:t>Microservices</a:t>
+            </a:r>
+            <a:endParaRPr lang="de-DE" dirty="0" smtClean="0"/>
+          </a:p>
+          <a:p>
+            <a:pPr marL="457200" indent="-457200">
+              <a:buFont typeface="Arial"/>
+              <a:buChar char="•"/>
+            </a:pPr>
+            <a:r>
+              <a:rPr lang="de-DE" dirty="0" smtClean="0"/>
+              <a:t>Spring 4.1 &amp; Spring Boot 1.2</a:t>
+            </a:r>
+          </a:p>
+          <a:p>
+            <a:pPr marL="457200" indent="-457200">
+              <a:buFont typeface="Arial"/>
+              <a:buChar char="•"/>
+            </a:pPr>
+            <a:r>
+              <a:rPr lang="de-DE" dirty="0"/>
+              <a:t>Groovy </a:t>
+            </a:r>
+            <a:r>
+              <a:rPr lang="de-DE" dirty="0" err="1" smtClean="0"/>
+              <a:t>Traits</a:t>
             </a:r>
             <a:endParaRPr lang="de-DE" dirty="0"/>
           </a:p>
@@ -14489,7 +14570,7 @@
     </p:spTree>
     <p:extLst>
       <p:ext uri="{BB962C8B-B14F-4D97-AF65-F5344CB8AC3E}">
-        <p14:creationId xmlns:p14="http://schemas.microsoft.com/office/powerpoint/2010/main" val="2005587405"/>
+        <p14:creationId xmlns:p14="http://schemas.microsoft.com/office/powerpoint/2010/main" val="1645538226"/>
       </p:ext>
     </p:extLst>
   </p:cSld>
@@ -14508,13 +14589,6 @@
       </p:transition>
     </mc:Fallback>
   </mc:AlternateContent>
-  <p:timing>
-    <p:tnLst>
-      <p:par>
-        <p:cTn xmlns:p14="http://schemas.microsoft.com/office/powerpoint/2010/main" id="1" dur="indefinite" restart="never" nodeType="tmRoot"/>
-      </p:par>
-    </p:tnLst>
-  </p:timing>
 </p:sld>
 </file>
 
@@ -14821,6 +14895,91 @@
 </file>
 
 <file path=ppt/slides/slide20.xml><?xml version="1.0" encoding="utf-8"?>
+<p:sld xmlns:a="http://schemas.openxmlformats.org/drawingml/2006/main" xmlns:r="http://schemas.openxmlformats.org/officeDocument/2006/relationships" xmlns:p="http://schemas.openxmlformats.org/presentationml/2006/main">
+  <p:cSld>
+    <p:spTree>
+      <p:nvGrpSpPr>
+        <p:cNvPr id="1" name=""/>
+        <p:cNvGrpSpPr/>
+        <p:nvPr/>
+      </p:nvGrpSpPr>
+      <p:grpSpPr>
+        <a:xfrm>
+          <a:off x="0" y="0"/>
+          <a:ext cx="0" cy="0"/>
+          <a:chOff x="0" y="0"/>
+          <a:chExt cx="0" cy="0"/>
+        </a:xfrm>
+      </p:grpSpPr>
+      <p:sp>
+        <p:nvSpPr>
+          <p:cNvPr id="2" name="Inhaltsplatzhalter 1"/>
+          <p:cNvSpPr>
+            <a:spLocks noGrp="1"/>
+          </p:cNvSpPr>
+          <p:nvPr>
+            <p:ph idx="1"/>
+          </p:nvPr>
+        </p:nvSpPr>
+        <p:spPr/>
+        <p:txBody>
+          <a:bodyPr/>
+          <a:lstStyle/>
+          <a:p>
+            <a:r>
+              <a:rPr lang="de-DE" dirty="0" smtClean="0"/>
+              <a:t>Grails</a:t>
+            </a:r>
+            <a:endParaRPr lang="de-DE" dirty="0"/>
+          </a:p>
+          <a:p>
+            <a:r>
+              <a:rPr lang="de-DE" dirty="0" smtClean="0"/>
+              <a:t>&amp;</a:t>
+            </a:r>
+          </a:p>
+          <a:p>
+            <a:r>
+              <a:rPr lang="de-DE" dirty="0" err="1" smtClean="0"/>
+              <a:t>AngularJS</a:t>
+            </a:r>
+            <a:endParaRPr lang="de-DE" dirty="0"/>
+          </a:p>
+        </p:txBody>
+      </p:sp>
+    </p:spTree>
+    <p:extLst>
+      <p:ext uri="{BB962C8B-B14F-4D97-AF65-F5344CB8AC3E}">
+        <p14:creationId xmlns:p14="http://schemas.microsoft.com/office/powerpoint/2010/main" val="2005587405"/>
+      </p:ext>
+    </p:extLst>
+  </p:cSld>
+  <p:clrMapOvr>
+    <a:masterClrMapping/>
+  </p:clrMapOvr>
+  <mc:AlternateContent xmlns:mc="http://schemas.openxmlformats.org/markup-compatibility/2006" xmlns:p14="http://schemas.microsoft.com/office/powerpoint/2010/main">
+    <mc:Choice Requires="p14">
+      <p:transition spd="med" p14:dur="700">
+        <p:fade/>
+      </p:transition>
+    </mc:Choice>
+    <mc:Fallback xmlns="">
+      <p:transition xmlns:p14="http://schemas.microsoft.com/office/powerpoint/2010/main" spd="med">
+        <p:fade/>
+      </p:transition>
+    </mc:Fallback>
+  </mc:AlternateContent>
+  <p:timing>
+    <p:tnLst>
+      <p:par>
+        <p:cTn xmlns:p14="http://schemas.microsoft.com/office/powerpoint/2010/main" id="1" dur="indefinite" restart="never" nodeType="tmRoot"/>
+      </p:par>
+    </p:tnLst>
+  </p:timing>
+</p:sld>
+</file>
+
+<file path=ppt/slides/slide21.xml><?xml version="1.0" encoding="utf-8"?>
 <p:sld xmlns:a="http://schemas.openxmlformats.org/drawingml/2006/main" xmlns:r="http://schemas.openxmlformats.org/officeDocument/2006/relationships" xmlns:p="http://schemas.openxmlformats.org/presentationml/2006/main">
   <p:cSld>
     <p:spTree>
@@ -15097,7 +15256,7 @@
 </p:sld>
 </file>
 
-<file path=ppt/slides/slide21.xml><?xml version="1.0" encoding="utf-8"?>
+<file path=ppt/slides/slide22.xml><?xml version="1.0" encoding="utf-8"?>
 <p:sld xmlns:a="http://schemas.openxmlformats.org/drawingml/2006/main" xmlns:r="http://schemas.openxmlformats.org/officeDocument/2006/relationships" xmlns:p="http://schemas.openxmlformats.org/presentationml/2006/main">
   <p:cSld>
     <p:spTree>
@@ -15257,7 +15416,7 @@
 </p:sld>
 </file>
 
-<file path=ppt/slides/slide22.xml><?xml version="1.0" encoding="utf-8"?>
+<file path=ppt/slides/slide23.xml><?xml version="1.0" encoding="utf-8"?>
 <p:sld xmlns:a="http://schemas.openxmlformats.org/drawingml/2006/main" xmlns:r="http://schemas.openxmlformats.org/officeDocument/2006/relationships" xmlns:p="http://schemas.openxmlformats.org/presentationml/2006/main">
   <p:cSld>
     <p:spTree>
@@ -16197,7 +16356,7 @@
 </p:sld>
 </file>
 
-<file path=ppt/slides/slide23.xml><?xml version="1.0" encoding="utf-8"?>
+<file path=ppt/slides/slide24.xml><?xml version="1.0" encoding="utf-8"?>
 <p:sld xmlns:a="http://schemas.openxmlformats.org/drawingml/2006/main" xmlns:r="http://schemas.openxmlformats.org/officeDocument/2006/relationships" xmlns:p="http://schemas.openxmlformats.org/presentationml/2006/main">
   <p:cSld>
     <p:spTree>
@@ -16563,7 +16722,7 @@
 </p:sld>
 </file>
 
-<file path=ppt/slides/slide24.xml><?xml version="1.0" encoding="utf-8"?>
+<file path=ppt/slides/slide25.xml><?xml version="1.0" encoding="utf-8"?>
 <p:sld xmlns:a="http://schemas.openxmlformats.org/drawingml/2006/main" xmlns:r="http://schemas.openxmlformats.org/officeDocument/2006/relationships" xmlns:p="http://schemas.openxmlformats.org/presentationml/2006/main">
   <p:cSld>
     <p:spTree>
@@ -16715,7 +16874,7 @@
 </p:sld>
 </file>
 
-<file path=ppt/slides/slide25.xml><?xml version="1.0" encoding="utf-8"?>
+<file path=ppt/slides/slide26.xml><?xml version="1.0" encoding="utf-8"?>
 <p:sld xmlns:a="http://schemas.openxmlformats.org/drawingml/2006/main" xmlns:r="http://schemas.openxmlformats.org/officeDocument/2006/relationships" xmlns:p="http://schemas.openxmlformats.org/presentationml/2006/main">
   <p:cSld>
     <p:spTree>
@@ -16944,7 +17103,7 @@
 </p:sld>
 </file>
 
-<file path=ppt/slides/slide26.xml><?xml version="1.0" encoding="utf-8"?>
+<file path=ppt/slides/slide27.xml><?xml version="1.0" encoding="utf-8"?>
 <p:sld xmlns:a="http://schemas.openxmlformats.org/drawingml/2006/main" xmlns:r="http://schemas.openxmlformats.org/officeDocument/2006/relationships" xmlns:p="http://schemas.openxmlformats.org/presentationml/2006/main">
   <p:cSld>
     <p:spTree>
@@ -17050,7 +17209,7 @@
 </p:sld>
 </file>
 
-<file path=ppt/slides/slide27.xml><?xml version="1.0" encoding="utf-8"?>
+<file path=ppt/slides/slide28.xml><?xml version="1.0" encoding="utf-8"?>
 <p:sld xmlns:a="http://schemas.openxmlformats.org/drawingml/2006/main" xmlns:r="http://schemas.openxmlformats.org/officeDocument/2006/relationships" xmlns:p="http://schemas.openxmlformats.org/presentationml/2006/main" show="0">
   <p:cSld>
     <p:spTree>
@@ -17317,7 +17476,7 @@
 </p:sld>
 </file>
 
-<file path=ppt/slides/slide28.xml><?xml version="1.0" encoding="utf-8"?>
+<file path=ppt/slides/slide29.xml><?xml version="1.0" encoding="utf-8"?>
 <p:sld xmlns:a="http://schemas.openxmlformats.org/drawingml/2006/main" xmlns:r="http://schemas.openxmlformats.org/officeDocument/2006/relationships" xmlns:p="http://schemas.openxmlformats.org/presentationml/2006/main">
   <p:cSld>
     <p:spTree>
@@ -17361,138 +17520,6 @@
     <p:extLst>
       <p:ext uri="{BB962C8B-B14F-4D97-AF65-F5344CB8AC3E}">
         <p14:creationId xmlns:p14="http://schemas.microsoft.com/office/powerpoint/2010/main" val="4077507125"/>
-      </p:ext>
-    </p:extLst>
-  </p:cSld>
-  <p:clrMapOvr>
-    <a:masterClrMapping/>
-  </p:clrMapOvr>
-  <mc:AlternateContent xmlns:mc="http://schemas.openxmlformats.org/markup-compatibility/2006" xmlns:p14="http://schemas.microsoft.com/office/powerpoint/2010/main">
-    <mc:Choice Requires="p14">
-      <p:transition spd="med" p14:dur="700">
-        <p:fade/>
-      </p:transition>
-    </mc:Choice>
-    <mc:Fallback xmlns="">
-      <p:transition xmlns:p14="http://schemas.microsoft.com/office/powerpoint/2010/main" spd="med">
-        <p:fade/>
-      </p:transition>
-    </mc:Fallback>
-  </mc:AlternateContent>
-  <p:timing>
-    <p:tnLst>
-      <p:par>
-        <p:cTn xmlns:p14="http://schemas.microsoft.com/office/powerpoint/2010/main" id="1" dur="indefinite" restart="never" nodeType="tmRoot"/>
-      </p:par>
-    </p:tnLst>
-  </p:timing>
-</p:sld>
-</file>
-
-<file path=ppt/slides/slide29.xml><?xml version="1.0" encoding="utf-8"?>
-<p:sld xmlns:a="http://schemas.openxmlformats.org/drawingml/2006/main" xmlns:r="http://schemas.openxmlformats.org/officeDocument/2006/relationships" xmlns:p="http://schemas.openxmlformats.org/presentationml/2006/main">
-  <p:cSld>
-    <p:spTree>
-      <p:nvGrpSpPr>
-        <p:cNvPr id="1" name=""/>
-        <p:cNvGrpSpPr/>
-        <p:nvPr/>
-      </p:nvGrpSpPr>
-      <p:grpSpPr>
-        <a:xfrm>
-          <a:off x="0" y="0"/>
-          <a:ext cx="0" cy="0"/>
-          <a:chOff x="0" y="0"/>
-          <a:chExt cx="0" cy="0"/>
-        </a:xfrm>
-      </p:grpSpPr>
-      <p:sp>
-        <p:nvSpPr>
-          <p:cNvPr id="2" name="Titel 1"/>
-          <p:cNvSpPr>
-            <a:spLocks noGrp="1"/>
-          </p:cNvSpPr>
-          <p:nvPr>
-            <p:ph type="title"/>
-          </p:nvPr>
-        </p:nvSpPr>
-        <p:spPr/>
-        <p:txBody>
-          <a:bodyPr/>
-          <a:lstStyle/>
-          <a:p>
-            <a:r>
-              <a:rPr lang="de-DE" dirty="0" smtClean="0"/>
-              <a:t>Fazit (1)</a:t>
-            </a:r>
-            <a:endParaRPr lang="de-DE" dirty="0"/>
-          </a:p>
-        </p:txBody>
-      </p:sp>
-      <p:sp>
-        <p:nvSpPr>
-          <p:cNvPr id="3" name="Inhaltsplatzhalter 2"/>
-          <p:cNvSpPr>
-            <a:spLocks noGrp="1"/>
-          </p:cNvSpPr>
-          <p:nvPr>
-            <p:ph idx="1"/>
-          </p:nvPr>
-        </p:nvSpPr>
-        <p:spPr/>
-        <p:txBody>
-          <a:bodyPr>
-            <a:normAutofit/>
-          </a:bodyPr>
-          <a:lstStyle/>
-          <a:p>
-            <a:pPr algn="just"/>
-            <a:r>
-              <a:rPr lang="de-DE" sz="2800" b="0" dirty="0" err="1"/>
-              <a:t>AngularJS</a:t>
-            </a:r>
-            <a:r>
-              <a:rPr lang="de-DE" sz="2800" b="0" dirty="0"/>
-              <a:t> ermöglicht eine produktive Entwicklung von Single-Page-Apps als Konsument eines REST-</a:t>
-            </a:r>
-            <a:r>
-              <a:rPr lang="de-DE" sz="2800" b="0" dirty="0" err="1"/>
-              <a:t>Backends</a:t>
-            </a:r>
-            <a:r>
-              <a:rPr lang="de-DE" sz="2800" b="0" dirty="0"/>
-              <a:t>.</a:t>
-            </a:r>
-          </a:p>
-          <a:p>
-            <a:pPr algn="just"/>
-            <a:endParaRPr lang="de-DE" sz="2800" b="0" dirty="0" smtClean="0"/>
-          </a:p>
-          <a:p>
-            <a:pPr algn="just"/>
-            <a:r>
-              <a:rPr lang="de-DE" sz="2800" b="0" dirty="0" err="1" smtClean="0"/>
-              <a:t>Grails</a:t>
-            </a:r>
-            <a:r>
-              <a:rPr lang="de-DE" sz="2800" b="0" dirty="0" smtClean="0"/>
-              <a:t> ermöglicht die produktive Entwicklung von Multi-Page-Apps und des </a:t>
-            </a:r>
-            <a:r>
-              <a:rPr lang="de-DE" sz="2800" b="0" dirty="0" err="1" smtClean="0"/>
-              <a:t>Backends</a:t>
-            </a:r>
-            <a:r>
-              <a:rPr lang="de-DE" sz="2800" b="0" dirty="0" smtClean="0"/>
-              <a:t> für Single-Page-Apps.</a:t>
-            </a:r>
-          </a:p>
-        </p:txBody>
-      </p:sp>
-    </p:spTree>
-    <p:extLst>
-      <p:ext uri="{BB962C8B-B14F-4D97-AF65-F5344CB8AC3E}">
-        <p14:creationId xmlns:p14="http://schemas.microsoft.com/office/powerpoint/2010/main" val="2301932296"/>
       </p:ext>
     </p:extLst>
   </p:cSld>
@@ -17627,7 +17654,7 @@
           <a:p>
             <a:r>
               <a:rPr lang="de-DE" dirty="0" smtClean="0"/>
-              <a:t>Fazit (2)</a:t>
+              <a:t>Erkenntnisse</a:t>
             </a:r>
             <a:endParaRPr lang="de-DE" dirty="0"/>
           </a:p>
@@ -17646,15 +17673,154 @@
         <p:spPr/>
         <p:txBody>
           <a:bodyPr>
-            <a:normAutofit/>
+            <a:normAutofit fontScale="92500" lnSpcReduction="20000"/>
           </a:bodyPr>
           <a:lstStyle/>
           <a:p>
             <a:pPr algn="just"/>
             <a:r>
-              <a:rPr lang="de-DE" sz="2800" b="0" dirty="0" smtClean="0"/>
-              <a:t>Eine Trennung in separate Projekte erlaubt die Entkopplung von Frontend und Backend bei Entwicklung und im Betrieb.</a:t>
-            </a:r>
+              <a:rPr lang="de-DE" sz="2800" b="0" dirty="0">
+                <a:solidFill>
+                  <a:srgbClr val="C0504D"/>
+                </a:solidFill>
+              </a:rPr>
+              <a:t>Asset </a:t>
+            </a:r>
+            <a:r>
+              <a:rPr lang="de-DE" sz="2800" b="0" dirty="0" smtClean="0">
+                <a:solidFill>
+                  <a:srgbClr val="C0504D"/>
+                </a:solidFill>
+              </a:rPr>
+              <a:t>Pipeline stellt Angular Templates nicht bereit</a:t>
+            </a:r>
+          </a:p>
+          <a:p>
+            <a:pPr algn="just"/>
+            <a:r>
+              <a:rPr lang="de-DE" sz="2800" b="0" dirty="0" smtClean="0">
+                <a:solidFill>
+                  <a:schemeClr val="accent3"/>
+                </a:solidFill>
+              </a:rPr>
+              <a:t>Angular-Template-Asset-Pipeline-</a:t>
+            </a:r>
+            <a:r>
+              <a:rPr lang="de-DE" sz="2800" b="0" dirty="0" err="1" smtClean="0">
+                <a:solidFill>
+                  <a:schemeClr val="accent3"/>
+                </a:solidFill>
+              </a:rPr>
+              <a:t>Plugin</a:t>
+            </a:r>
+            <a:endParaRPr lang="de-DE" sz="2800" b="0" dirty="0" smtClean="0">
+              <a:solidFill>
+                <a:schemeClr val="accent3"/>
+              </a:solidFill>
+            </a:endParaRPr>
+          </a:p>
+          <a:p>
+            <a:pPr algn="just"/>
+            <a:endParaRPr lang="de-DE" sz="2800" b="0" dirty="0"/>
+          </a:p>
+          <a:p>
+            <a:pPr algn="just"/>
+            <a:r>
+              <a:rPr lang="de-DE" sz="2800" b="0" dirty="0" smtClean="0">
+                <a:solidFill>
+                  <a:schemeClr val="accent2"/>
+                </a:solidFill>
+              </a:rPr>
+              <a:t>Konsistente URLs für </a:t>
+            </a:r>
+            <a:r>
+              <a:rPr lang="de-DE" sz="2800" b="0" dirty="0" err="1" smtClean="0">
+                <a:solidFill>
+                  <a:schemeClr val="accent2"/>
+                </a:solidFill>
+              </a:rPr>
+              <a:t>AngularJS</a:t>
+            </a:r>
+            <a:r>
+              <a:rPr lang="de-DE" sz="2800" b="0" dirty="0" smtClean="0">
+                <a:solidFill>
+                  <a:schemeClr val="accent2"/>
+                </a:solidFill>
+              </a:rPr>
+              <a:t>- und </a:t>
+            </a:r>
+            <a:r>
+              <a:rPr lang="de-DE" sz="2800" b="0" dirty="0" err="1" smtClean="0">
+                <a:solidFill>
+                  <a:schemeClr val="accent2"/>
+                </a:solidFill>
+              </a:rPr>
+              <a:t>Grails</a:t>
+            </a:r>
+            <a:r>
+              <a:rPr lang="de-DE" sz="2800" b="0" dirty="0">
+                <a:solidFill>
+                  <a:schemeClr val="accent2"/>
+                </a:solidFill>
+              </a:rPr>
+              <a:t>-</a:t>
+            </a:r>
+            <a:r>
+              <a:rPr lang="de-DE" sz="2800" b="0" dirty="0" smtClean="0">
+                <a:solidFill>
+                  <a:schemeClr val="accent2"/>
+                </a:solidFill>
+              </a:rPr>
+              <a:t>Anteile</a:t>
+            </a:r>
+          </a:p>
+          <a:p>
+            <a:pPr algn="just"/>
+            <a:r>
+              <a:rPr lang="de-DE" sz="2800" b="0" dirty="0" smtClean="0">
+                <a:solidFill>
+                  <a:schemeClr val="accent3"/>
+                </a:solidFill>
+              </a:rPr>
+              <a:t>Konfiguration </a:t>
+            </a:r>
+            <a:r>
+              <a:rPr lang="de-DE" sz="2800" b="0" dirty="0">
+                <a:solidFill>
+                  <a:schemeClr val="accent3"/>
+                </a:solidFill>
+              </a:rPr>
+              <a:t>des $</a:t>
+            </a:r>
+            <a:r>
+              <a:rPr lang="de-DE" sz="2800" b="0" dirty="0" err="1" smtClean="0">
+                <a:solidFill>
+                  <a:schemeClr val="accent3"/>
+                </a:solidFill>
+              </a:rPr>
+              <a:t>locationProvider</a:t>
+            </a:r>
+            <a:r>
+              <a:rPr lang="de-DE" sz="2800" b="0" dirty="0" smtClean="0">
+                <a:solidFill>
+                  <a:schemeClr val="accent3"/>
+                </a:solidFill>
+              </a:rPr>
+              <a:t> </a:t>
+            </a:r>
+            <a:r>
+              <a:rPr lang="de-DE" sz="2800" b="0" dirty="0">
+                <a:solidFill>
+                  <a:schemeClr val="accent3"/>
+                </a:solidFill>
+              </a:rPr>
+              <a:t>im HTML5-Mode</a:t>
+            </a:r>
+            <a:endParaRPr lang="de-DE" sz="2800" b="0" dirty="0" smtClean="0">
+              <a:solidFill>
+                <a:schemeClr val="accent3"/>
+              </a:solidFill>
+            </a:endParaRPr>
           </a:p>
           <a:p>
             <a:pPr algn="just"/>
@@ -17663,18 +17829,108 @@
           <a:p>
             <a:pPr algn="just"/>
             <a:r>
-              <a:rPr lang="de-DE" sz="2800" b="0" dirty="0" smtClean="0"/>
-              <a:t>Da </a:t>
-            </a:r>
-            <a:r>
-              <a:rPr lang="de-DE" sz="2800" b="0" dirty="0" err="1" smtClean="0"/>
+              <a:rPr lang="de-DE" sz="2800" b="0" dirty="0" smtClean="0">
+                <a:solidFill>
+                  <a:schemeClr val="accent2"/>
+                </a:solidFill>
+              </a:rPr>
+              <a:t>Einheitliches Look &amp; </a:t>
+            </a:r>
+            <a:r>
+              <a:rPr lang="de-DE" sz="2800" b="0" dirty="0" err="1" smtClean="0">
+                <a:solidFill>
+                  <a:schemeClr val="accent2"/>
+                </a:solidFill>
+              </a:rPr>
+              <a:t>Feel</a:t>
+            </a:r>
+            <a:r>
+              <a:rPr lang="de-DE" sz="2800" b="0" dirty="0" smtClean="0">
+                <a:solidFill>
+                  <a:schemeClr val="accent2"/>
+                </a:solidFill>
+              </a:rPr>
+              <a:t> in beiden Anwendungsteilen </a:t>
+            </a:r>
+            <a:r>
+              <a:rPr lang="de-DE" sz="2800" b="0" dirty="0" smtClean="0">
+                <a:solidFill>
+                  <a:srgbClr val="9BBB59"/>
+                </a:solidFill>
+              </a:rPr>
+              <a:t>Bootstrap oder anderes CSS-Framework</a:t>
+            </a:r>
+          </a:p>
+          <a:p>
+            <a:pPr algn="just"/>
+            <a:endParaRPr lang="de-DE" sz="2800" b="0" dirty="0"/>
+          </a:p>
+          <a:p>
+            <a:pPr algn="just"/>
+            <a:r>
+              <a:rPr lang="de-DE" sz="2800" b="0" dirty="0" smtClean="0">
+                <a:solidFill>
+                  <a:srgbClr val="C0504D"/>
+                </a:solidFill>
+              </a:rPr>
+              <a:t>Update einer Entität in </a:t>
+            </a:r>
+            <a:r>
+              <a:rPr lang="de-DE" sz="2800" b="0" dirty="0" err="1" smtClean="0">
+                <a:solidFill>
+                  <a:srgbClr val="C0504D"/>
+                </a:solidFill>
+              </a:rPr>
+              <a:t>Grails</a:t>
+            </a:r>
+            <a:r>
+              <a:rPr lang="de-DE" sz="2800" b="0" dirty="0" smtClean="0">
+                <a:solidFill>
+                  <a:srgbClr val="C0504D"/>
+                </a:solidFill>
+              </a:rPr>
+              <a:t> mittels PUT</a:t>
+            </a:r>
+          </a:p>
+          <a:p>
+            <a:pPr algn="just"/>
+            <a:r>
+              <a:rPr lang="de-DE" sz="2800" b="0" dirty="0" err="1" smtClean="0">
+                <a:solidFill>
+                  <a:schemeClr val="accent3"/>
+                </a:solidFill>
+              </a:rPr>
               <a:t>AngularJS</a:t>
             </a:r>
             <a:r>
-              <a:rPr lang="de-DE" sz="2800" b="0" dirty="0" smtClean="0"/>
-              <a:t> optional nur Teile einer Page "kontrollieren" kann, ist auch eine Mischung von Multi-Page- und Single-Page-Architektur möglich.</a:t>
-            </a:r>
-            <a:endParaRPr lang="de-DE" sz="2800" b="0" dirty="0"/>
+              <a:rPr lang="de-DE" sz="2800" b="0" dirty="0" smtClean="0">
+                <a:solidFill>
+                  <a:schemeClr val="accent3"/>
+                </a:solidFill>
+              </a:rPr>
+              <a:t> </a:t>
+            </a:r>
+            <a:r>
+              <a:rPr lang="de-DE" sz="2800" b="0" dirty="0" err="1" smtClean="0">
+                <a:solidFill>
+                  <a:schemeClr val="accent3"/>
+                </a:solidFill>
+              </a:rPr>
+              <a:t>Resource</a:t>
+            </a:r>
+            <a:r>
+              <a:rPr lang="de-DE" sz="2800" b="0" dirty="0" smtClean="0">
+                <a:solidFill>
+                  <a:schemeClr val="accent3"/>
+                </a:solidFill>
+              </a:rPr>
+              <a:t>-Service entsprechend zu konfigurieren</a:t>
+            </a:r>
+            <a:endParaRPr lang="de-DE" sz="2800" b="0" dirty="0">
+              <a:solidFill>
+                <a:schemeClr val="accent3"/>
+              </a:solidFill>
+            </a:endParaRPr>
           </a:p>
         </p:txBody>
       </p:sp>
@@ -17737,38 +17993,135 @@
             <p:ph type="title"/>
           </p:nvPr>
         </p:nvSpPr>
-        <p:spPr>
-          <a:xfrm>
-            <a:off x="457200" y="274638"/>
-            <a:ext cx="8229600" cy="6322714"/>
-          </a:xfrm>
-        </p:spPr>
+        <p:spPr/>
+        <p:txBody>
+          <a:bodyPr/>
+          <a:lstStyle/>
+          <a:p>
+            <a:r>
+              <a:rPr lang="de-DE" dirty="0" smtClean="0"/>
+              <a:t>Fazit</a:t>
+            </a:r>
+            <a:endParaRPr lang="de-DE" dirty="0"/>
+          </a:p>
+        </p:txBody>
+      </p:sp>
+      <p:sp>
+        <p:nvSpPr>
+          <p:cNvPr id="3" name="Inhaltsplatzhalter 2"/>
+          <p:cNvSpPr>
+            <a:spLocks noGrp="1"/>
+          </p:cNvSpPr>
+          <p:nvPr>
+            <p:ph idx="1"/>
+          </p:nvPr>
+        </p:nvSpPr>
+        <p:spPr/>
         <p:txBody>
           <a:bodyPr>
-            <a:noAutofit/>
+            <a:normAutofit/>
           </a:bodyPr>
           <a:lstStyle/>
           <a:p>
-            <a:r>
-              <a:rPr lang="de-DE" sz="23900" dirty="0" smtClean="0">
+            <a:pPr algn="just"/>
+            <a:r>
+              <a:rPr lang="de-DE" sz="2800" b="0" dirty="0" err="1"/>
+              <a:t>AngularJS</a:t>
+            </a:r>
+            <a:r>
+              <a:rPr lang="de-DE" sz="2800" b="0" dirty="0"/>
+              <a:t> ermöglicht eine </a:t>
+            </a:r>
+            <a:r>
+              <a:rPr lang="de-DE" sz="2800" b="0" dirty="0">
                 <a:solidFill>
-                  <a:srgbClr val="FF0000"/>
+                  <a:srgbClr val="C0504D"/>
                 </a:solidFill>
               </a:rPr>
-              <a:t>TODO</a:t>
-            </a:r>
-            <a:endParaRPr lang="de-DE" sz="23900" dirty="0">
-              <a:solidFill>
-                <a:srgbClr val="FF0000"/>
-              </a:solidFill>
-            </a:endParaRPr>
+              <a:t>produktive Entwicklung von Single-Page-Apps</a:t>
+            </a:r>
+            <a:r>
+              <a:rPr lang="de-DE" sz="2800" b="0" dirty="0"/>
+              <a:t> als Konsument eines REST-</a:t>
+            </a:r>
+            <a:r>
+              <a:rPr lang="de-DE" sz="2800" b="0" dirty="0" err="1"/>
+              <a:t>Backends</a:t>
+            </a:r>
+            <a:r>
+              <a:rPr lang="de-DE" sz="2800" b="0" dirty="0"/>
+              <a:t>.</a:t>
+            </a:r>
+          </a:p>
+          <a:p>
+            <a:pPr algn="just"/>
+            <a:endParaRPr lang="de-DE" sz="2800" b="0" dirty="0" smtClean="0"/>
+          </a:p>
+          <a:p>
+            <a:pPr algn="just"/>
+            <a:r>
+              <a:rPr lang="de-DE" sz="2800" b="0" dirty="0" err="1" smtClean="0"/>
+              <a:t>Grails</a:t>
+            </a:r>
+            <a:r>
+              <a:rPr lang="de-DE" sz="2800" b="0" dirty="0" smtClean="0"/>
+              <a:t> ermöglicht die </a:t>
+            </a:r>
+            <a:r>
+              <a:rPr lang="de-DE" sz="2800" b="0" dirty="0" smtClean="0">
+                <a:solidFill>
+                  <a:srgbClr val="C0504D"/>
+                </a:solidFill>
+              </a:rPr>
+              <a:t>produktive Entwicklung von Multi-Page-Apps</a:t>
+            </a:r>
+            <a:r>
+              <a:rPr lang="de-DE" sz="2800" b="0" dirty="0" smtClean="0"/>
+              <a:t> und des </a:t>
+            </a:r>
+            <a:r>
+              <a:rPr lang="de-DE" sz="2800" b="0" dirty="0" err="1" smtClean="0"/>
+              <a:t>Backends</a:t>
+            </a:r>
+            <a:r>
+              <a:rPr lang="de-DE" sz="2800" b="0" dirty="0" smtClean="0"/>
+              <a:t> für Single-Page-Apps</a:t>
+            </a:r>
+            <a:r>
+              <a:rPr lang="de-DE" sz="2800" b="0" dirty="0" smtClean="0"/>
+              <a:t>.</a:t>
+            </a:r>
+          </a:p>
+          <a:p>
+            <a:pPr algn="just"/>
+            <a:endParaRPr lang="de-DE" sz="2800" b="0" dirty="0"/>
+          </a:p>
+          <a:p>
+            <a:pPr algn="just"/>
+            <a:r>
+              <a:rPr lang="de-DE" sz="2800" b="0" dirty="0" smtClean="0"/>
+              <a:t>Eine </a:t>
+            </a:r>
+            <a:r>
+              <a:rPr lang="de-DE" sz="2800" b="0" dirty="0" smtClean="0">
+                <a:solidFill>
+                  <a:srgbClr val="C0504D"/>
+                </a:solidFill>
+              </a:rPr>
+              <a:t>Mischung von Single-Page-App- mit Multi-Page-App-Anteilen</a:t>
+            </a:r>
+            <a:r>
+              <a:rPr lang="de-DE" sz="2800" b="0" dirty="0" smtClean="0"/>
+              <a:t> ist sehr interessant.</a:t>
+            </a:r>
+            <a:endParaRPr lang="de-DE" sz="2800" b="0" dirty="0" smtClean="0"/>
           </a:p>
         </p:txBody>
       </p:sp>
     </p:spTree>
     <p:extLst>
       <p:ext uri="{BB962C8B-B14F-4D97-AF65-F5344CB8AC3E}">
-        <p14:creationId xmlns:p14="http://schemas.microsoft.com/office/powerpoint/2010/main" val="301090119"/>
+        <p14:creationId xmlns:p14="http://schemas.microsoft.com/office/powerpoint/2010/main" val="2301932296"/>
       </p:ext>
     </p:extLst>
   </p:cSld>
@@ -17787,6 +18140,13 @@
       </p:transition>
     </mc:Fallback>
   </mc:AlternateContent>
+  <p:timing>
+    <p:tnLst>
+      <p:par>
+        <p:cTn xmlns:p14="http://schemas.microsoft.com/office/powerpoint/2010/main" id="1" dur="indefinite" restart="never" nodeType="tmRoot"/>
+      </p:par>
+    </p:tnLst>
+  </p:timing>
 </p:sld>
 </file>
 

--- a/Presentation.pptx
+++ b/Presentation.pptx
@@ -6,10 +6,10 @@
     <p:sldMasterId id="2147483723" r:id="rId6"/>
   </p:sldMasterIdLst>
   <p:notesMasterIdLst>
-    <p:notesMasterId r:id="rId40"/>
+    <p:notesMasterId r:id="rId39"/>
   </p:notesMasterIdLst>
   <p:handoutMasterIdLst>
-    <p:handoutMasterId r:id="rId41"/>
+    <p:handoutMasterId r:id="rId40"/>
   </p:handoutMasterIdLst>
   <p:sldIdLst>
     <p:sldId id="286" r:id="rId7"/>
@@ -21,30 +21,29 @@
     <p:sldId id="300" r:id="rId13"/>
     <p:sldId id="302" r:id="rId14"/>
     <p:sldId id="303" r:id="rId15"/>
-    <p:sldId id="347" r:id="rId16"/>
-    <p:sldId id="298" r:id="rId17"/>
-    <p:sldId id="301" r:id="rId18"/>
-    <p:sldId id="327" r:id="rId19"/>
-    <p:sldId id="328" r:id="rId20"/>
-    <p:sldId id="333" r:id="rId21"/>
-    <p:sldId id="330" r:id="rId22"/>
-    <p:sldId id="331" r:id="rId23"/>
-    <p:sldId id="337" r:id="rId24"/>
-    <p:sldId id="352" r:id="rId25"/>
-    <p:sldId id="308" r:id="rId26"/>
-    <p:sldId id="314" r:id="rId27"/>
-    <p:sldId id="349" r:id="rId28"/>
-    <p:sldId id="340" r:id="rId29"/>
-    <p:sldId id="341" r:id="rId30"/>
-    <p:sldId id="344" r:id="rId31"/>
-    <p:sldId id="345" r:id="rId32"/>
-    <p:sldId id="346" r:id="rId33"/>
-    <p:sldId id="350" r:id="rId34"/>
-    <p:sldId id="316" r:id="rId35"/>
-    <p:sldId id="326" r:id="rId36"/>
-    <p:sldId id="325" r:id="rId37"/>
-    <p:sldId id="336" r:id="rId38"/>
-    <p:sldId id="318" r:id="rId39"/>
+    <p:sldId id="298" r:id="rId16"/>
+    <p:sldId id="301" r:id="rId17"/>
+    <p:sldId id="327" r:id="rId18"/>
+    <p:sldId id="328" r:id="rId19"/>
+    <p:sldId id="333" r:id="rId20"/>
+    <p:sldId id="330" r:id="rId21"/>
+    <p:sldId id="331" r:id="rId22"/>
+    <p:sldId id="337" r:id="rId23"/>
+    <p:sldId id="352" r:id="rId24"/>
+    <p:sldId id="308" r:id="rId25"/>
+    <p:sldId id="314" r:id="rId26"/>
+    <p:sldId id="349" r:id="rId27"/>
+    <p:sldId id="340" r:id="rId28"/>
+    <p:sldId id="341" r:id="rId29"/>
+    <p:sldId id="344" r:id="rId30"/>
+    <p:sldId id="345" r:id="rId31"/>
+    <p:sldId id="346" r:id="rId32"/>
+    <p:sldId id="350" r:id="rId33"/>
+    <p:sldId id="316" r:id="rId34"/>
+    <p:sldId id="326" r:id="rId35"/>
+    <p:sldId id="325" r:id="rId36"/>
+    <p:sldId id="336" r:id="rId37"/>
+    <p:sldId id="318" r:id="rId38"/>
   </p:sldIdLst>
   <p:sldSz cx="9144000" cy="6858000" type="screen4x3"/>
   <p:notesSz cx="6858000" cy="9144000"/>
@@ -3955,7 +3954,7 @@
             <a:fld id="{133286C6-4904-4CD0-891D-2F37ADC6A93C}" type="slidenum">
               <a:rPr lang="de-DE" smtClean="0"/>
               <a:pPr/>
-              <a:t>21</a:t>
+              <a:t>20</a:t>
             </a:fld>
             <a:endParaRPr lang="de-DE"/>
           </a:p>
@@ -4137,7 +4136,7 @@
             <a:fld id="{133286C6-4904-4CD0-891D-2F37ADC6A93C}" type="slidenum">
               <a:rPr lang="de-DE" smtClean="0"/>
               <a:pPr/>
-              <a:t>22</a:t>
+              <a:t>21</a:t>
             </a:fld>
             <a:endParaRPr lang="de-DE"/>
           </a:p>
@@ -4239,7 +4238,7 @@
                 <a:latin typeface="Calibri"/>
               </a:rPr>
               <a:pPr/>
-              <a:t>23</a:t>
+              <a:t>22</a:t>
             </a:fld>
             <a:endParaRPr lang="de-DE">
               <a:solidFill>
@@ -4426,7 +4425,7 @@
             <a:fld id="{133286C6-4904-4CD0-891D-2F37ADC6A93C}" type="slidenum">
               <a:rPr lang="de-DE" smtClean="0"/>
               <a:pPr/>
-              <a:t>25</a:t>
+              <a:t>24</a:t>
             </a:fld>
             <a:endParaRPr lang="de-DE"/>
           </a:p>
@@ -4934,7 +4933,7 @@
             <a:fld id="{133286C6-4904-4CD0-891D-2F37ADC6A93C}" type="slidenum">
               <a:rPr lang="de-DE" smtClean="0"/>
               <a:pPr/>
-              <a:t>12</a:t>
+              <a:t>11</a:t>
             </a:fld>
             <a:endParaRPr lang="de-DE"/>
           </a:p>
@@ -5021,7 +5020,7 @@
             <a:fld id="{8DCA4730-00B9-44EC-9C82-9506801C22A8}" type="slidenum">
               <a:rPr lang="de-DE" smtClean="0"/>
               <a:pPr/>
-              <a:t>13</a:t>
+              <a:t>12</a:t>
             </a:fld>
             <a:endParaRPr lang="de-DE"/>
           </a:p>
@@ -5103,7 +5102,7 @@
             <a:fld id="{8DCA4730-00B9-44EC-9C82-9506801C22A8}" type="slidenum">
               <a:rPr lang="de-DE" smtClean="0"/>
               <a:pPr/>
-              <a:t>14</a:t>
+              <a:t>13</a:t>
             </a:fld>
             <a:endParaRPr lang="de-DE"/>
           </a:p>
@@ -5185,7 +5184,7 @@
             <a:fld id="{8DCA4730-00B9-44EC-9C82-9506801C22A8}" type="slidenum">
               <a:rPr lang="de-DE" smtClean="0"/>
               <a:pPr/>
-              <a:t>15</a:t>
+              <a:t>14</a:t>
             </a:fld>
             <a:endParaRPr lang="de-DE"/>
           </a:p>
@@ -12534,86 +12533,6 @@
       </p:grpSpPr>
       <p:sp>
         <p:nvSpPr>
-          <p:cNvPr id="2" name="Titel 1"/>
-          <p:cNvSpPr>
-            <a:spLocks noGrp="1"/>
-          </p:cNvSpPr>
-          <p:nvPr>
-            <p:ph type="title"/>
-          </p:nvPr>
-        </p:nvSpPr>
-        <p:spPr>
-          <a:xfrm>
-            <a:off x="457200" y="274638"/>
-            <a:ext cx="8229600" cy="6322714"/>
-          </a:xfrm>
-        </p:spPr>
-        <p:txBody>
-          <a:bodyPr>
-            <a:noAutofit/>
-          </a:bodyPr>
-          <a:lstStyle/>
-          <a:p>
-            <a:r>
-              <a:rPr lang="de-DE" sz="23900" dirty="0" smtClean="0">
-                <a:solidFill>
-                  <a:srgbClr val="FF0000"/>
-                </a:solidFill>
-              </a:rPr>
-              <a:t>TODO</a:t>
-            </a:r>
-            <a:endParaRPr lang="de-DE" sz="23900" dirty="0">
-              <a:solidFill>
-                <a:srgbClr val="FF0000"/>
-              </a:solidFill>
-            </a:endParaRPr>
-          </a:p>
-        </p:txBody>
-      </p:sp>
-    </p:spTree>
-    <p:extLst>
-      <p:ext uri="{BB962C8B-B14F-4D97-AF65-F5344CB8AC3E}">
-        <p14:creationId xmlns:p14="http://schemas.microsoft.com/office/powerpoint/2010/main" val="3588390112"/>
-      </p:ext>
-    </p:extLst>
-  </p:cSld>
-  <p:clrMapOvr>
-    <a:masterClrMapping/>
-  </p:clrMapOvr>
-  <mc:AlternateContent xmlns:mc="http://schemas.openxmlformats.org/markup-compatibility/2006" xmlns:p14="http://schemas.microsoft.com/office/powerpoint/2010/main">
-    <mc:Choice Requires="p14">
-      <p:transition spd="med" p14:dur="700">
-        <p:fade/>
-      </p:transition>
-    </mc:Choice>
-    <mc:Fallback xmlns="">
-      <p:transition xmlns:p14="http://schemas.microsoft.com/office/powerpoint/2010/main" spd="med">
-        <p:fade/>
-      </p:transition>
-    </mc:Fallback>
-  </mc:AlternateContent>
-</p:sld>
-</file>
-
-<file path=ppt/slides/slide11.xml><?xml version="1.0" encoding="utf-8"?>
-<p:sld xmlns:a="http://schemas.openxmlformats.org/drawingml/2006/main" xmlns:r="http://schemas.openxmlformats.org/officeDocument/2006/relationships" xmlns:p="http://schemas.openxmlformats.org/presentationml/2006/main">
-  <p:cSld>
-    <p:spTree>
-      <p:nvGrpSpPr>
-        <p:cNvPr id="1" name=""/>
-        <p:cNvGrpSpPr/>
-        <p:nvPr/>
-      </p:nvGrpSpPr>
-      <p:grpSpPr>
-        <a:xfrm>
-          <a:off x="0" y="0"/>
-          <a:ext cx="0" cy="0"/>
-          <a:chOff x="0" y="0"/>
-          <a:chExt cx="0" cy="0"/>
-        </a:xfrm>
-      </p:grpSpPr>
-      <p:sp>
-        <p:nvSpPr>
           <p:cNvPr id="2" name="Inhaltsplatzhalter 1"/>
           <p:cNvSpPr>
             <a:spLocks noGrp="1"/>
@@ -12667,7 +12586,7 @@
 </p:sld>
 </file>
 
-<file path=ppt/slides/slide12.xml><?xml version="1.0" encoding="utf-8"?>
+<file path=ppt/slides/slide11.xml><?xml version="1.0" encoding="utf-8"?>
 <p:sld xmlns:a="http://schemas.openxmlformats.org/drawingml/2006/main" xmlns:r="http://schemas.openxmlformats.org/officeDocument/2006/relationships" xmlns:p="http://schemas.openxmlformats.org/presentationml/2006/main">
   <p:cSld>
     <p:spTree>
@@ -12969,7 +12888,7 @@
 </p:sld>
 </file>
 
-<file path=ppt/slides/slide13.xml><?xml version="1.0" encoding="utf-8"?>
+<file path=ppt/slides/slide12.xml><?xml version="1.0" encoding="utf-8"?>
 <p:sld xmlns:a="http://schemas.openxmlformats.org/drawingml/2006/main" xmlns:r="http://schemas.openxmlformats.org/officeDocument/2006/relationships" xmlns:p="http://schemas.openxmlformats.org/presentationml/2006/main">
   <p:cSld>
     <p:spTree>
@@ -13140,7 +13059,7 @@
 </p:sld>
 </file>
 
-<file path=ppt/slides/slide14.xml><?xml version="1.0" encoding="utf-8"?>
+<file path=ppt/slides/slide13.xml><?xml version="1.0" encoding="utf-8"?>
 <p:sld xmlns:a="http://schemas.openxmlformats.org/drawingml/2006/main" xmlns:r="http://schemas.openxmlformats.org/officeDocument/2006/relationships" xmlns:p="http://schemas.openxmlformats.org/presentationml/2006/main">
   <p:cSld>
     <p:spTree>
@@ -13275,7 +13194,7 @@
 </p:sld>
 </file>
 
-<file path=ppt/slides/slide15.xml><?xml version="1.0" encoding="utf-8"?>
+<file path=ppt/slides/slide14.xml><?xml version="1.0" encoding="utf-8"?>
 <p:sld xmlns:a="http://schemas.openxmlformats.org/drawingml/2006/main" xmlns:r="http://schemas.openxmlformats.org/officeDocument/2006/relationships" xmlns:p="http://schemas.openxmlformats.org/presentationml/2006/main">
   <p:cSld>
     <p:spTree>
@@ -13490,7 +13409,7 @@
 </p:sld>
 </file>
 
-<file path=ppt/slides/slide16.xml><?xml version="1.0" encoding="utf-8"?>
+<file path=ppt/slides/slide15.xml><?xml version="1.0" encoding="utf-8"?>
 <p:sld xmlns:a="http://schemas.openxmlformats.org/drawingml/2006/main" xmlns:r="http://schemas.openxmlformats.org/officeDocument/2006/relationships" xmlns:p="http://schemas.openxmlformats.org/presentationml/2006/main">
   <p:cSld>
     <p:spTree>
@@ -13943,7 +13862,7 @@
 </p:sld>
 </file>
 
-<file path=ppt/slides/slide17.xml><?xml version="1.0" encoding="utf-8"?>
+<file path=ppt/slides/slide16.xml><?xml version="1.0" encoding="utf-8"?>
 <p:sld xmlns:a="http://schemas.openxmlformats.org/drawingml/2006/main" xmlns:r="http://schemas.openxmlformats.org/officeDocument/2006/relationships" xmlns:p="http://schemas.openxmlformats.org/presentationml/2006/main">
   <p:cSld>
     <p:spTree>
@@ -14335,7 +14254,7 @@
 </p:sld>
 </file>
 
-<file path=ppt/slides/slide18.xml><?xml version="1.0" encoding="utf-8"?>
+<file path=ppt/slides/slide17.xml><?xml version="1.0" encoding="utf-8"?>
 <p:sld xmlns:a="http://schemas.openxmlformats.org/drawingml/2006/main" xmlns:r="http://schemas.openxmlformats.org/officeDocument/2006/relationships" xmlns:p="http://schemas.openxmlformats.org/presentationml/2006/main">
   <p:cSld>
     <p:spTree>
@@ -14437,7 +14356,7 @@
 </p:sld>
 </file>
 
-<file path=ppt/slides/slide19.xml><?xml version="1.0" encoding="utf-8"?>
+<file path=ppt/slides/slide18.xml><?xml version="1.0" encoding="utf-8"?>
 <p:sld xmlns:a="http://schemas.openxmlformats.org/drawingml/2006/main" xmlns:r="http://schemas.openxmlformats.org/officeDocument/2006/relationships" xmlns:p="http://schemas.openxmlformats.org/presentationml/2006/main">
   <p:cSld>
     <p:spTree>
@@ -14589,6 +14508,91 @@
       </p:transition>
     </mc:Fallback>
   </mc:AlternateContent>
+</p:sld>
+</file>
+
+<file path=ppt/slides/slide19.xml><?xml version="1.0" encoding="utf-8"?>
+<p:sld xmlns:a="http://schemas.openxmlformats.org/drawingml/2006/main" xmlns:r="http://schemas.openxmlformats.org/officeDocument/2006/relationships" xmlns:p="http://schemas.openxmlformats.org/presentationml/2006/main">
+  <p:cSld>
+    <p:spTree>
+      <p:nvGrpSpPr>
+        <p:cNvPr id="1" name=""/>
+        <p:cNvGrpSpPr/>
+        <p:nvPr/>
+      </p:nvGrpSpPr>
+      <p:grpSpPr>
+        <a:xfrm>
+          <a:off x="0" y="0"/>
+          <a:ext cx="0" cy="0"/>
+          <a:chOff x="0" y="0"/>
+          <a:chExt cx="0" cy="0"/>
+        </a:xfrm>
+      </p:grpSpPr>
+      <p:sp>
+        <p:nvSpPr>
+          <p:cNvPr id="2" name="Inhaltsplatzhalter 1"/>
+          <p:cNvSpPr>
+            <a:spLocks noGrp="1"/>
+          </p:cNvSpPr>
+          <p:nvPr>
+            <p:ph idx="1"/>
+          </p:nvPr>
+        </p:nvSpPr>
+        <p:spPr/>
+        <p:txBody>
+          <a:bodyPr/>
+          <a:lstStyle/>
+          <a:p>
+            <a:r>
+              <a:rPr lang="de-DE" dirty="0" smtClean="0"/>
+              <a:t>Grails</a:t>
+            </a:r>
+            <a:endParaRPr lang="de-DE" dirty="0"/>
+          </a:p>
+          <a:p>
+            <a:r>
+              <a:rPr lang="de-DE" dirty="0" smtClean="0"/>
+              <a:t>&amp;</a:t>
+            </a:r>
+          </a:p>
+          <a:p>
+            <a:r>
+              <a:rPr lang="de-DE" dirty="0" err="1" smtClean="0"/>
+              <a:t>AngularJS</a:t>
+            </a:r>
+            <a:endParaRPr lang="de-DE" dirty="0"/>
+          </a:p>
+        </p:txBody>
+      </p:sp>
+    </p:spTree>
+    <p:extLst>
+      <p:ext uri="{BB962C8B-B14F-4D97-AF65-F5344CB8AC3E}">
+        <p14:creationId xmlns:p14="http://schemas.microsoft.com/office/powerpoint/2010/main" val="2005587405"/>
+      </p:ext>
+    </p:extLst>
+  </p:cSld>
+  <p:clrMapOvr>
+    <a:masterClrMapping/>
+  </p:clrMapOvr>
+  <mc:AlternateContent xmlns:mc="http://schemas.openxmlformats.org/markup-compatibility/2006" xmlns:p14="http://schemas.microsoft.com/office/powerpoint/2010/main">
+    <mc:Choice Requires="p14">
+      <p:transition spd="med" p14:dur="700">
+        <p:fade/>
+      </p:transition>
+    </mc:Choice>
+    <mc:Fallback xmlns="">
+      <p:transition xmlns:p14="http://schemas.microsoft.com/office/powerpoint/2010/main" spd="med">
+        <p:fade/>
+      </p:transition>
+    </mc:Fallback>
+  </mc:AlternateContent>
+  <p:timing>
+    <p:tnLst>
+      <p:par>
+        <p:cTn xmlns:p14="http://schemas.microsoft.com/office/powerpoint/2010/main" id="1" dur="indefinite" restart="never" nodeType="tmRoot"/>
+      </p:par>
+    </p:tnLst>
+  </p:timing>
 </p:sld>
 </file>
 
@@ -14895,91 +14899,6 @@
 </file>
 
 <file path=ppt/slides/slide20.xml><?xml version="1.0" encoding="utf-8"?>
-<p:sld xmlns:a="http://schemas.openxmlformats.org/drawingml/2006/main" xmlns:r="http://schemas.openxmlformats.org/officeDocument/2006/relationships" xmlns:p="http://schemas.openxmlformats.org/presentationml/2006/main">
-  <p:cSld>
-    <p:spTree>
-      <p:nvGrpSpPr>
-        <p:cNvPr id="1" name=""/>
-        <p:cNvGrpSpPr/>
-        <p:nvPr/>
-      </p:nvGrpSpPr>
-      <p:grpSpPr>
-        <a:xfrm>
-          <a:off x="0" y="0"/>
-          <a:ext cx="0" cy="0"/>
-          <a:chOff x="0" y="0"/>
-          <a:chExt cx="0" cy="0"/>
-        </a:xfrm>
-      </p:grpSpPr>
-      <p:sp>
-        <p:nvSpPr>
-          <p:cNvPr id="2" name="Inhaltsplatzhalter 1"/>
-          <p:cNvSpPr>
-            <a:spLocks noGrp="1"/>
-          </p:cNvSpPr>
-          <p:nvPr>
-            <p:ph idx="1"/>
-          </p:nvPr>
-        </p:nvSpPr>
-        <p:spPr/>
-        <p:txBody>
-          <a:bodyPr/>
-          <a:lstStyle/>
-          <a:p>
-            <a:r>
-              <a:rPr lang="de-DE" dirty="0" smtClean="0"/>
-              <a:t>Grails</a:t>
-            </a:r>
-            <a:endParaRPr lang="de-DE" dirty="0"/>
-          </a:p>
-          <a:p>
-            <a:r>
-              <a:rPr lang="de-DE" dirty="0" smtClean="0"/>
-              <a:t>&amp;</a:t>
-            </a:r>
-          </a:p>
-          <a:p>
-            <a:r>
-              <a:rPr lang="de-DE" dirty="0" err="1" smtClean="0"/>
-              <a:t>AngularJS</a:t>
-            </a:r>
-            <a:endParaRPr lang="de-DE" dirty="0"/>
-          </a:p>
-        </p:txBody>
-      </p:sp>
-    </p:spTree>
-    <p:extLst>
-      <p:ext uri="{BB962C8B-B14F-4D97-AF65-F5344CB8AC3E}">
-        <p14:creationId xmlns:p14="http://schemas.microsoft.com/office/powerpoint/2010/main" val="2005587405"/>
-      </p:ext>
-    </p:extLst>
-  </p:cSld>
-  <p:clrMapOvr>
-    <a:masterClrMapping/>
-  </p:clrMapOvr>
-  <mc:AlternateContent xmlns:mc="http://schemas.openxmlformats.org/markup-compatibility/2006" xmlns:p14="http://schemas.microsoft.com/office/powerpoint/2010/main">
-    <mc:Choice Requires="p14">
-      <p:transition spd="med" p14:dur="700">
-        <p:fade/>
-      </p:transition>
-    </mc:Choice>
-    <mc:Fallback xmlns="">
-      <p:transition xmlns:p14="http://schemas.microsoft.com/office/powerpoint/2010/main" spd="med">
-        <p:fade/>
-      </p:transition>
-    </mc:Fallback>
-  </mc:AlternateContent>
-  <p:timing>
-    <p:tnLst>
-      <p:par>
-        <p:cTn xmlns:p14="http://schemas.microsoft.com/office/powerpoint/2010/main" id="1" dur="indefinite" restart="never" nodeType="tmRoot"/>
-      </p:par>
-    </p:tnLst>
-  </p:timing>
-</p:sld>
-</file>
-
-<file path=ppt/slides/slide21.xml><?xml version="1.0" encoding="utf-8"?>
 <p:sld xmlns:a="http://schemas.openxmlformats.org/drawingml/2006/main" xmlns:r="http://schemas.openxmlformats.org/officeDocument/2006/relationships" xmlns:p="http://schemas.openxmlformats.org/presentationml/2006/main">
   <p:cSld>
     <p:spTree>
@@ -15256,7 +15175,7 @@
 </p:sld>
 </file>
 
-<file path=ppt/slides/slide22.xml><?xml version="1.0" encoding="utf-8"?>
+<file path=ppt/slides/slide21.xml><?xml version="1.0" encoding="utf-8"?>
 <p:sld xmlns:a="http://schemas.openxmlformats.org/drawingml/2006/main" xmlns:r="http://schemas.openxmlformats.org/officeDocument/2006/relationships" xmlns:p="http://schemas.openxmlformats.org/presentationml/2006/main">
   <p:cSld>
     <p:spTree>
@@ -15416,7 +15335,7 @@
 </p:sld>
 </file>
 
-<file path=ppt/slides/slide23.xml><?xml version="1.0" encoding="utf-8"?>
+<file path=ppt/slides/slide22.xml><?xml version="1.0" encoding="utf-8"?>
 <p:sld xmlns:a="http://schemas.openxmlformats.org/drawingml/2006/main" xmlns:r="http://schemas.openxmlformats.org/officeDocument/2006/relationships" xmlns:p="http://schemas.openxmlformats.org/presentationml/2006/main">
   <p:cSld>
     <p:spTree>
@@ -16356,7 +16275,7 @@
 </p:sld>
 </file>
 
-<file path=ppt/slides/slide24.xml><?xml version="1.0" encoding="utf-8"?>
+<file path=ppt/slides/slide23.xml><?xml version="1.0" encoding="utf-8"?>
 <p:sld xmlns:a="http://schemas.openxmlformats.org/drawingml/2006/main" xmlns:r="http://schemas.openxmlformats.org/officeDocument/2006/relationships" xmlns:p="http://schemas.openxmlformats.org/presentationml/2006/main">
   <p:cSld>
     <p:spTree>
@@ -16722,7 +16641,7 @@
 </p:sld>
 </file>
 
-<file path=ppt/slides/slide25.xml><?xml version="1.0" encoding="utf-8"?>
+<file path=ppt/slides/slide24.xml><?xml version="1.0" encoding="utf-8"?>
 <p:sld xmlns:a="http://schemas.openxmlformats.org/drawingml/2006/main" xmlns:r="http://schemas.openxmlformats.org/officeDocument/2006/relationships" xmlns:p="http://schemas.openxmlformats.org/presentationml/2006/main">
   <p:cSld>
     <p:spTree>
@@ -16874,7 +16793,7 @@
 </p:sld>
 </file>
 
-<file path=ppt/slides/slide26.xml><?xml version="1.0" encoding="utf-8"?>
+<file path=ppt/slides/slide25.xml><?xml version="1.0" encoding="utf-8"?>
 <p:sld xmlns:a="http://schemas.openxmlformats.org/drawingml/2006/main" xmlns:r="http://schemas.openxmlformats.org/officeDocument/2006/relationships" xmlns:p="http://schemas.openxmlformats.org/presentationml/2006/main">
   <p:cSld>
     <p:spTree>
@@ -17103,7 +17022,7 @@
 </p:sld>
 </file>
 
-<file path=ppt/slides/slide27.xml><?xml version="1.0" encoding="utf-8"?>
+<file path=ppt/slides/slide26.xml><?xml version="1.0" encoding="utf-8"?>
 <p:sld xmlns:a="http://schemas.openxmlformats.org/drawingml/2006/main" xmlns:r="http://schemas.openxmlformats.org/officeDocument/2006/relationships" xmlns:p="http://schemas.openxmlformats.org/presentationml/2006/main">
   <p:cSld>
     <p:spTree>
@@ -17209,7 +17128,7 @@
 </p:sld>
 </file>
 
-<file path=ppt/slides/slide28.xml><?xml version="1.0" encoding="utf-8"?>
+<file path=ppt/slides/slide27.xml><?xml version="1.0" encoding="utf-8"?>
 <p:sld xmlns:a="http://schemas.openxmlformats.org/drawingml/2006/main" xmlns:r="http://schemas.openxmlformats.org/officeDocument/2006/relationships" xmlns:p="http://schemas.openxmlformats.org/presentationml/2006/main" show="0">
   <p:cSld>
     <p:spTree>
@@ -17476,7 +17395,7 @@
 </p:sld>
 </file>
 
-<file path=ppt/slides/slide29.xml><?xml version="1.0" encoding="utf-8"?>
+<file path=ppt/slides/slide28.xml><?xml version="1.0" encoding="utf-8"?>
 <p:sld xmlns:a="http://schemas.openxmlformats.org/drawingml/2006/main" xmlns:r="http://schemas.openxmlformats.org/officeDocument/2006/relationships" xmlns:p="http://schemas.openxmlformats.org/presentationml/2006/main">
   <p:cSld>
     <p:spTree>
@@ -17520,6 +17439,352 @@
     <p:extLst>
       <p:ext uri="{BB962C8B-B14F-4D97-AF65-F5344CB8AC3E}">
         <p14:creationId xmlns:p14="http://schemas.microsoft.com/office/powerpoint/2010/main" val="4077507125"/>
+      </p:ext>
+    </p:extLst>
+  </p:cSld>
+  <p:clrMapOvr>
+    <a:masterClrMapping/>
+  </p:clrMapOvr>
+  <mc:AlternateContent xmlns:mc="http://schemas.openxmlformats.org/markup-compatibility/2006" xmlns:p14="http://schemas.microsoft.com/office/powerpoint/2010/main">
+    <mc:Choice Requires="p14">
+      <p:transition spd="med" p14:dur="700">
+        <p:fade/>
+      </p:transition>
+    </mc:Choice>
+    <mc:Fallback xmlns="">
+      <p:transition xmlns:p14="http://schemas.microsoft.com/office/powerpoint/2010/main" spd="med">
+        <p:fade/>
+      </p:transition>
+    </mc:Fallback>
+  </mc:AlternateContent>
+  <p:timing>
+    <p:tnLst>
+      <p:par>
+        <p:cTn xmlns:p14="http://schemas.microsoft.com/office/powerpoint/2010/main" id="1" dur="indefinite" restart="never" nodeType="tmRoot"/>
+      </p:par>
+    </p:tnLst>
+  </p:timing>
+</p:sld>
+</file>
+
+<file path=ppt/slides/slide29.xml><?xml version="1.0" encoding="utf-8"?>
+<p:sld xmlns:a="http://schemas.openxmlformats.org/drawingml/2006/main" xmlns:r="http://schemas.openxmlformats.org/officeDocument/2006/relationships" xmlns:p="http://schemas.openxmlformats.org/presentationml/2006/main">
+  <p:cSld>
+    <p:spTree>
+      <p:nvGrpSpPr>
+        <p:cNvPr id="1" name=""/>
+        <p:cNvGrpSpPr/>
+        <p:nvPr/>
+      </p:nvGrpSpPr>
+      <p:grpSpPr>
+        <a:xfrm>
+          <a:off x="0" y="0"/>
+          <a:ext cx="0" cy="0"/>
+          <a:chOff x="0" y="0"/>
+          <a:chExt cx="0" cy="0"/>
+        </a:xfrm>
+      </p:grpSpPr>
+      <p:sp>
+        <p:nvSpPr>
+          <p:cNvPr id="2" name="Titel 1"/>
+          <p:cNvSpPr>
+            <a:spLocks noGrp="1"/>
+          </p:cNvSpPr>
+          <p:nvPr>
+            <p:ph type="title"/>
+          </p:nvPr>
+        </p:nvSpPr>
+        <p:spPr/>
+        <p:txBody>
+          <a:bodyPr/>
+          <a:lstStyle/>
+          <a:p>
+            <a:r>
+              <a:rPr lang="de-DE" dirty="0" smtClean="0"/>
+              <a:t>Erkenntnisse</a:t>
+            </a:r>
+            <a:endParaRPr lang="de-DE" dirty="0"/>
+          </a:p>
+        </p:txBody>
+      </p:sp>
+      <p:sp>
+        <p:nvSpPr>
+          <p:cNvPr id="3" name="Inhaltsplatzhalter 2"/>
+          <p:cNvSpPr>
+            <a:spLocks noGrp="1"/>
+          </p:cNvSpPr>
+          <p:nvPr>
+            <p:ph idx="1"/>
+          </p:nvPr>
+        </p:nvSpPr>
+        <p:spPr/>
+        <p:txBody>
+          <a:bodyPr>
+            <a:normAutofit fontScale="92500" lnSpcReduction="20000"/>
+          </a:bodyPr>
+          <a:lstStyle/>
+          <a:p>
+            <a:pPr algn="just"/>
+            <a:r>
+              <a:rPr lang="de-DE" sz="2800" b="0" dirty="0">
+                <a:solidFill>
+                  <a:srgbClr val="C0504D"/>
+                </a:solidFill>
+              </a:rPr>
+              <a:t>Asset </a:t>
+            </a:r>
+            <a:r>
+              <a:rPr lang="de-DE" sz="2800" b="0" dirty="0" smtClean="0">
+                <a:solidFill>
+                  <a:srgbClr val="C0504D"/>
+                </a:solidFill>
+              </a:rPr>
+              <a:t>Pipeline stellt Angular Templates nicht bereit</a:t>
+            </a:r>
+          </a:p>
+          <a:p>
+            <a:pPr algn="just"/>
+            <a:r>
+              <a:rPr lang="de-DE" sz="2800" b="0" dirty="0" smtClean="0">
+                <a:solidFill>
+                  <a:schemeClr val="accent3"/>
+                </a:solidFill>
+              </a:rPr>
+              <a:t>Angular-Template-Asset-Pipeline-</a:t>
+            </a:r>
+            <a:r>
+              <a:rPr lang="de-DE" sz="2800" b="0" dirty="0" err="1" smtClean="0">
+                <a:solidFill>
+                  <a:schemeClr val="accent3"/>
+                </a:solidFill>
+              </a:rPr>
+              <a:t>Plugin</a:t>
+            </a:r>
+            <a:endParaRPr lang="de-DE" sz="2800" b="0" dirty="0" smtClean="0">
+              <a:solidFill>
+                <a:schemeClr val="accent3"/>
+              </a:solidFill>
+            </a:endParaRPr>
+          </a:p>
+          <a:p>
+            <a:pPr algn="just"/>
+            <a:endParaRPr lang="de-DE" sz="2800" b="0" dirty="0"/>
+          </a:p>
+          <a:p>
+            <a:pPr algn="just"/>
+            <a:r>
+              <a:rPr lang="de-DE" sz="2800" b="0" dirty="0" smtClean="0">
+                <a:solidFill>
+                  <a:schemeClr val="accent2"/>
+                </a:solidFill>
+              </a:rPr>
+              <a:t>Konsistente URLs für </a:t>
+            </a:r>
+            <a:r>
+              <a:rPr lang="de-DE" sz="2800" b="0" dirty="0" err="1" smtClean="0">
+                <a:solidFill>
+                  <a:schemeClr val="accent2"/>
+                </a:solidFill>
+              </a:rPr>
+              <a:t>AngularJS</a:t>
+            </a:r>
+            <a:r>
+              <a:rPr lang="de-DE" sz="2800" b="0" dirty="0" smtClean="0">
+                <a:solidFill>
+                  <a:schemeClr val="accent2"/>
+                </a:solidFill>
+              </a:rPr>
+              <a:t>- und </a:t>
+            </a:r>
+            <a:r>
+              <a:rPr lang="de-DE" sz="2800" b="0" dirty="0" err="1" smtClean="0">
+                <a:solidFill>
+                  <a:schemeClr val="accent2"/>
+                </a:solidFill>
+              </a:rPr>
+              <a:t>Grails</a:t>
+            </a:r>
+            <a:r>
+              <a:rPr lang="de-DE" sz="2800" b="0" dirty="0">
+                <a:solidFill>
+                  <a:schemeClr val="accent2"/>
+                </a:solidFill>
+              </a:rPr>
+              <a:t>-</a:t>
+            </a:r>
+            <a:r>
+              <a:rPr lang="de-DE" sz="2800" b="0" dirty="0" smtClean="0">
+                <a:solidFill>
+                  <a:schemeClr val="accent2"/>
+                </a:solidFill>
+              </a:rPr>
+              <a:t>Anteile</a:t>
+            </a:r>
+          </a:p>
+          <a:p>
+            <a:pPr algn="just"/>
+            <a:r>
+              <a:rPr lang="de-DE" sz="2800" b="0" dirty="0" smtClean="0">
+                <a:solidFill>
+                  <a:schemeClr val="accent3"/>
+                </a:solidFill>
+              </a:rPr>
+              <a:t>Konfiguration </a:t>
+            </a:r>
+            <a:r>
+              <a:rPr lang="de-DE" sz="2800" b="0" dirty="0">
+                <a:solidFill>
+                  <a:schemeClr val="accent3"/>
+                </a:solidFill>
+              </a:rPr>
+              <a:t>des $</a:t>
+            </a:r>
+            <a:r>
+              <a:rPr lang="de-DE" sz="2800" b="0" dirty="0" err="1" smtClean="0">
+                <a:solidFill>
+                  <a:schemeClr val="accent3"/>
+                </a:solidFill>
+              </a:rPr>
+              <a:t>locationProvider</a:t>
+            </a:r>
+            <a:r>
+              <a:rPr lang="de-DE" sz="2800" b="0" dirty="0" smtClean="0">
+                <a:solidFill>
+                  <a:schemeClr val="accent3"/>
+                </a:solidFill>
+              </a:rPr>
+              <a:t> </a:t>
+            </a:r>
+            <a:r>
+              <a:rPr lang="de-DE" sz="2800" b="0" dirty="0">
+                <a:solidFill>
+                  <a:schemeClr val="accent3"/>
+                </a:solidFill>
+              </a:rPr>
+              <a:t>im HTML5-Mode</a:t>
+            </a:r>
+            <a:endParaRPr lang="de-DE" sz="2800" b="0" dirty="0" smtClean="0">
+              <a:solidFill>
+                <a:schemeClr val="accent3"/>
+              </a:solidFill>
+            </a:endParaRPr>
+          </a:p>
+          <a:p>
+            <a:pPr algn="just"/>
+            <a:endParaRPr lang="de-DE" sz="2800" b="0" dirty="0" smtClean="0"/>
+          </a:p>
+          <a:p>
+            <a:pPr algn="just"/>
+            <a:r>
+              <a:rPr lang="de-DE" sz="2800" b="0" dirty="0" smtClean="0">
+                <a:solidFill>
+                  <a:schemeClr val="accent2"/>
+                </a:solidFill>
+              </a:rPr>
+              <a:t>Einheitliches Look &amp; </a:t>
+            </a:r>
+            <a:r>
+              <a:rPr lang="de-DE" sz="2800" b="0" dirty="0" err="1" smtClean="0">
+                <a:solidFill>
+                  <a:schemeClr val="accent2"/>
+                </a:solidFill>
+              </a:rPr>
+              <a:t>Feel</a:t>
+            </a:r>
+            <a:r>
+              <a:rPr lang="de-DE" sz="2800" b="0" dirty="0" smtClean="0">
+                <a:solidFill>
+                  <a:schemeClr val="accent2"/>
+                </a:solidFill>
+              </a:rPr>
+              <a:t> in beiden Anwendungsteilen </a:t>
+            </a:r>
+            <a:r>
+              <a:rPr lang="de-DE" sz="2800" b="0" dirty="0" smtClean="0">
+                <a:solidFill>
+                  <a:srgbClr val="9BBB59"/>
+                </a:solidFill>
+              </a:rPr>
+              <a:t>Bootstrap oder anderes CSS-Framework</a:t>
+            </a:r>
+          </a:p>
+          <a:p>
+            <a:pPr algn="just"/>
+            <a:endParaRPr lang="de-DE" sz="2800" b="0" dirty="0"/>
+          </a:p>
+          <a:p>
+            <a:pPr algn="just"/>
+            <a:r>
+              <a:rPr lang="de-DE" sz="2800" b="0" dirty="0" smtClean="0">
+                <a:solidFill>
+                  <a:srgbClr val="C0504D"/>
+                </a:solidFill>
+              </a:rPr>
+              <a:t>Update einer Entität in </a:t>
+            </a:r>
+            <a:r>
+              <a:rPr lang="de-DE" sz="2800" b="0" dirty="0" err="1" smtClean="0">
+                <a:solidFill>
+                  <a:srgbClr val="C0504D"/>
+                </a:solidFill>
+              </a:rPr>
+              <a:t>Grails</a:t>
+            </a:r>
+            <a:r>
+              <a:rPr lang="de-DE" sz="2800" b="0" dirty="0" smtClean="0">
+                <a:solidFill>
+                  <a:srgbClr val="C0504D"/>
+                </a:solidFill>
+              </a:rPr>
+              <a:t> mittels PUT</a:t>
+            </a:r>
+          </a:p>
+          <a:p>
+            <a:pPr algn="just"/>
+            <a:r>
+              <a:rPr lang="de-DE" sz="2800" b="0" dirty="0" err="1" smtClean="0">
+                <a:solidFill>
+                  <a:schemeClr val="accent3"/>
+                </a:solidFill>
+              </a:rPr>
+              <a:t>AngularJS</a:t>
+            </a:r>
+            <a:r>
+              <a:rPr lang="de-DE" sz="2800" b="0" dirty="0" smtClean="0">
+                <a:solidFill>
+                  <a:schemeClr val="accent3"/>
+                </a:solidFill>
+              </a:rPr>
+              <a:t> </a:t>
+            </a:r>
+            <a:r>
+              <a:rPr lang="de-DE" sz="2800" b="0" dirty="0" err="1" smtClean="0">
+                <a:solidFill>
+                  <a:schemeClr val="accent3"/>
+                </a:solidFill>
+              </a:rPr>
+              <a:t>Resource</a:t>
+            </a:r>
+            <a:r>
+              <a:rPr lang="de-DE" sz="2800" b="0" dirty="0" smtClean="0">
+                <a:solidFill>
+                  <a:schemeClr val="accent3"/>
+                </a:solidFill>
+              </a:rPr>
+              <a:t>-Service entsprechend zu konfigurieren</a:t>
+            </a:r>
+            <a:endParaRPr lang="de-DE" sz="2800" b="0" dirty="0">
+              <a:solidFill>
+                <a:schemeClr val="accent3"/>
+              </a:solidFill>
+            </a:endParaRPr>
+          </a:p>
+        </p:txBody>
+      </p:sp>
+    </p:spTree>
+    <p:extLst>
+      <p:ext uri="{BB962C8B-B14F-4D97-AF65-F5344CB8AC3E}">
+        <p14:creationId xmlns:p14="http://schemas.microsoft.com/office/powerpoint/2010/main" val="3702998070"/>
       </p:ext>
     </p:extLst>
   </p:cSld>
@@ -17654,352 +17919,6 @@
           <a:p>
             <a:r>
               <a:rPr lang="de-DE" dirty="0" smtClean="0"/>
-              <a:t>Erkenntnisse</a:t>
-            </a:r>
-            <a:endParaRPr lang="de-DE" dirty="0"/>
-          </a:p>
-        </p:txBody>
-      </p:sp>
-      <p:sp>
-        <p:nvSpPr>
-          <p:cNvPr id="3" name="Inhaltsplatzhalter 2"/>
-          <p:cNvSpPr>
-            <a:spLocks noGrp="1"/>
-          </p:cNvSpPr>
-          <p:nvPr>
-            <p:ph idx="1"/>
-          </p:nvPr>
-        </p:nvSpPr>
-        <p:spPr/>
-        <p:txBody>
-          <a:bodyPr>
-            <a:normAutofit fontScale="92500" lnSpcReduction="20000"/>
-          </a:bodyPr>
-          <a:lstStyle/>
-          <a:p>
-            <a:pPr algn="just"/>
-            <a:r>
-              <a:rPr lang="de-DE" sz="2800" b="0" dirty="0">
-                <a:solidFill>
-                  <a:srgbClr val="C0504D"/>
-                </a:solidFill>
-              </a:rPr>
-              <a:t>Asset </a:t>
-            </a:r>
-            <a:r>
-              <a:rPr lang="de-DE" sz="2800" b="0" dirty="0" smtClean="0">
-                <a:solidFill>
-                  <a:srgbClr val="C0504D"/>
-                </a:solidFill>
-              </a:rPr>
-              <a:t>Pipeline stellt Angular Templates nicht bereit</a:t>
-            </a:r>
-          </a:p>
-          <a:p>
-            <a:pPr algn="just"/>
-            <a:r>
-              <a:rPr lang="de-DE" sz="2800" b="0" dirty="0" smtClean="0">
-                <a:solidFill>
-                  <a:schemeClr val="accent3"/>
-                </a:solidFill>
-              </a:rPr>
-              <a:t>Angular-Template-Asset-Pipeline-</a:t>
-            </a:r>
-            <a:r>
-              <a:rPr lang="de-DE" sz="2800" b="0" dirty="0" err="1" smtClean="0">
-                <a:solidFill>
-                  <a:schemeClr val="accent3"/>
-                </a:solidFill>
-              </a:rPr>
-              <a:t>Plugin</a:t>
-            </a:r>
-            <a:endParaRPr lang="de-DE" sz="2800" b="0" dirty="0" smtClean="0">
-              <a:solidFill>
-                <a:schemeClr val="accent3"/>
-              </a:solidFill>
-            </a:endParaRPr>
-          </a:p>
-          <a:p>
-            <a:pPr algn="just"/>
-            <a:endParaRPr lang="de-DE" sz="2800" b="0" dirty="0"/>
-          </a:p>
-          <a:p>
-            <a:pPr algn="just"/>
-            <a:r>
-              <a:rPr lang="de-DE" sz="2800" b="0" dirty="0" smtClean="0">
-                <a:solidFill>
-                  <a:schemeClr val="accent2"/>
-                </a:solidFill>
-              </a:rPr>
-              <a:t>Konsistente URLs für </a:t>
-            </a:r>
-            <a:r>
-              <a:rPr lang="de-DE" sz="2800" b="0" dirty="0" err="1" smtClean="0">
-                <a:solidFill>
-                  <a:schemeClr val="accent2"/>
-                </a:solidFill>
-              </a:rPr>
-              <a:t>AngularJS</a:t>
-            </a:r>
-            <a:r>
-              <a:rPr lang="de-DE" sz="2800" b="0" dirty="0" smtClean="0">
-                <a:solidFill>
-                  <a:schemeClr val="accent2"/>
-                </a:solidFill>
-              </a:rPr>
-              <a:t>- und </a:t>
-            </a:r>
-            <a:r>
-              <a:rPr lang="de-DE" sz="2800" b="0" dirty="0" err="1" smtClean="0">
-                <a:solidFill>
-                  <a:schemeClr val="accent2"/>
-                </a:solidFill>
-              </a:rPr>
-              <a:t>Grails</a:t>
-            </a:r>
-            <a:r>
-              <a:rPr lang="de-DE" sz="2800" b="0" dirty="0">
-                <a:solidFill>
-                  <a:schemeClr val="accent2"/>
-                </a:solidFill>
-              </a:rPr>
-              <a:t>-</a:t>
-            </a:r>
-            <a:r>
-              <a:rPr lang="de-DE" sz="2800" b="0" dirty="0" smtClean="0">
-                <a:solidFill>
-                  <a:schemeClr val="accent2"/>
-                </a:solidFill>
-              </a:rPr>
-              <a:t>Anteile</a:t>
-            </a:r>
-          </a:p>
-          <a:p>
-            <a:pPr algn="just"/>
-            <a:r>
-              <a:rPr lang="de-DE" sz="2800" b="0" dirty="0" smtClean="0">
-                <a:solidFill>
-                  <a:schemeClr val="accent3"/>
-                </a:solidFill>
-              </a:rPr>
-              <a:t>Konfiguration </a:t>
-            </a:r>
-            <a:r>
-              <a:rPr lang="de-DE" sz="2800" b="0" dirty="0">
-                <a:solidFill>
-                  <a:schemeClr val="accent3"/>
-                </a:solidFill>
-              </a:rPr>
-              <a:t>des $</a:t>
-            </a:r>
-            <a:r>
-              <a:rPr lang="de-DE" sz="2800" b="0" dirty="0" err="1" smtClean="0">
-                <a:solidFill>
-                  <a:schemeClr val="accent3"/>
-                </a:solidFill>
-              </a:rPr>
-              <a:t>locationProvider</a:t>
-            </a:r>
-            <a:r>
-              <a:rPr lang="de-DE" sz="2800" b="0" dirty="0" smtClean="0">
-                <a:solidFill>
-                  <a:schemeClr val="accent3"/>
-                </a:solidFill>
-              </a:rPr>
-              <a:t> </a:t>
-            </a:r>
-            <a:r>
-              <a:rPr lang="de-DE" sz="2800" b="0" dirty="0">
-                <a:solidFill>
-                  <a:schemeClr val="accent3"/>
-                </a:solidFill>
-              </a:rPr>
-              <a:t>im HTML5-Mode</a:t>
-            </a:r>
-            <a:endParaRPr lang="de-DE" sz="2800" b="0" dirty="0" smtClean="0">
-              <a:solidFill>
-                <a:schemeClr val="accent3"/>
-              </a:solidFill>
-            </a:endParaRPr>
-          </a:p>
-          <a:p>
-            <a:pPr algn="just"/>
-            <a:endParaRPr lang="de-DE" sz="2800" b="0" dirty="0" smtClean="0"/>
-          </a:p>
-          <a:p>
-            <a:pPr algn="just"/>
-            <a:r>
-              <a:rPr lang="de-DE" sz="2800" b="0" dirty="0" smtClean="0">
-                <a:solidFill>
-                  <a:schemeClr val="accent2"/>
-                </a:solidFill>
-              </a:rPr>
-              <a:t>Einheitliches Look &amp; </a:t>
-            </a:r>
-            <a:r>
-              <a:rPr lang="de-DE" sz="2800" b="0" dirty="0" err="1" smtClean="0">
-                <a:solidFill>
-                  <a:schemeClr val="accent2"/>
-                </a:solidFill>
-              </a:rPr>
-              <a:t>Feel</a:t>
-            </a:r>
-            <a:r>
-              <a:rPr lang="de-DE" sz="2800" b="0" dirty="0" smtClean="0">
-                <a:solidFill>
-                  <a:schemeClr val="accent2"/>
-                </a:solidFill>
-              </a:rPr>
-              <a:t> in beiden Anwendungsteilen </a:t>
-            </a:r>
-            <a:r>
-              <a:rPr lang="de-DE" sz="2800" b="0" dirty="0" smtClean="0">
-                <a:solidFill>
-                  <a:srgbClr val="9BBB59"/>
-                </a:solidFill>
-              </a:rPr>
-              <a:t>Bootstrap oder anderes CSS-Framework</a:t>
-            </a:r>
-          </a:p>
-          <a:p>
-            <a:pPr algn="just"/>
-            <a:endParaRPr lang="de-DE" sz="2800" b="0" dirty="0"/>
-          </a:p>
-          <a:p>
-            <a:pPr algn="just"/>
-            <a:r>
-              <a:rPr lang="de-DE" sz="2800" b="0" dirty="0" smtClean="0">
-                <a:solidFill>
-                  <a:srgbClr val="C0504D"/>
-                </a:solidFill>
-              </a:rPr>
-              <a:t>Update einer Entität in </a:t>
-            </a:r>
-            <a:r>
-              <a:rPr lang="de-DE" sz="2800" b="0" dirty="0" err="1" smtClean="0">
-                <a:solidFill>
-                  <a:srgbClr val="C0504D"/>
-                </a:solidFill>
-              </a:rPr>
-              <a:t>Grails</a:t>
-            </a:r>
-            <a:r>
-              <a:rPr lang="de-DE" sz="2800" b="0" dirty="0" smtClean="0">
-                <a:solidFill>
-                  <a:srgbClr val="C0504D"/>
-                </a:solidFill>
-              </a:rPr>
-              <a:t> mittels PUT</a:t>
-            </a:r>
-          </a:p>
-          <a:p>
-            <a:pPr algn="just"/>
-            <a:r>
-              <a:rPr lang="de-DE" sz="2800" b="0" dirty="0" err="1" smtClean="0">
-                <a:solidFill>
-                  <a:schemeClr val="accent3"/>
-                </a:solidFill>
-              </a:rPr>
-              <a:t>AngularJS</a:t>
-            </a:r>
-            <a:r>
-              <a:rPr lang="de-DE" sz="2800" b="0" dirty="0" smtClean="0">
-                <a:solidFill>
-                  <a:schemeClr val="accent3"/>
-                </a:solidFill>
-              </a:rPr>
-              <a:t> </a:t>
-            </a:r>
-            <a:r>
-              <a:rPr lang="de-DE" sz="2800" b="0" dirty="0" err="1" smtClean="0">
-                <a:solidFill>
-                  <a:schemeClr val="accent3"/>
-                </a:solidFill>
-              </a:rPr>
-              <a:t>Resource</a:t>
-            </a:r>
-            <a:r>
-              <a:rPr lang="de-DE" sz="2800" b="0" dirty="0" smtClean="0">
-                <a:solidFill>
-                  <a:schemeClr val="accent3"/>
-                </a:solidFill>
-              </a:rPr>
-              <a:t>-Service entsprechend zu konfigurieren</a:t>
-            </a:r>
-            <a:endParaRPr lang="de-DE" sz="2800" b="0" dirty="0">
-              <a:solidFill>
-                <a:schemeClr val="accent3"/>
-              </a:solidFill>
-            </a:endParaRPr>
-          </a:p>
-        </p:txBody>
-      </p:sp>
-    </p:spTree>
-    <p:extLst>
-      <p:ext uri="{BB962C8B-B14F-4D97-AF65-F5344CB8AC3E}">
-        <p14:creationId xmlns:p14="http://schemas.microsoft.com/office/powerpoint/2010/main" val="3702998070"/>
-      </p:ext>
-    </p:extLst>
-  </p:cSld>
-  <p:clrMapOvr>
-    <a:masterClrMapping/>
-  </p:clrMapOvr>
-  <mc:AlternateContent xmlns:mc="http://schemas.openxmlformats.org/markup-compatibility/2006" xmlns:p14="http://schemas.microsoft.com/office/powerpoint/2010/main">
-    <mc:Choice Requires="p14">
-      <p:transition spd="med" p14:dur="700">
-        <p:fade/>
-      </p:transition>
-    </mc:Choice>
-    <mc:Fallback xmlns="">
-      <p:transition xmlns:p14="http://schemas.microsoft.com/office/powerpoint/2010/main" spd="med">
-        <p:fade/>
-      </p:transition>
-    </mc:Fallback>
-  </mc:AlternateContent>
-  <p:timing>
-    <p:tnLst>
-      <p:par>
-        <p:cTn xmlns:p14="http://schemas.microsoft.com/office/powerpoint/2010/main" id="1" dur="indefinite" restart="never" nodeType="tmRoot"/>
-      </p:par>
-    </p:tnLst>
-  </p:timing>
-</p:sld>
-</file>
-
-<file path=ppt/slides/slide31.xml><?xml version="1.0" encoding="utf-8"?>
-<p:sld xmlns:a="http://schemas.openxmlformats.org/drawingml/2006/main" xmlns:r="http://schemas.openxmlformats.org/officeDocument/2006/relationships" xmlns:p="http://schemas.openxmlformats.org/presentationml/2006/main">
-  <p:cSld>
-    <p:spTree>
-      <p:nvGrpSpPr>
-        <p:cNvPr id="1" name=""/>
-        <p:cNvGrpSpPr/>
-        <p:nvPr/>
-      </p:nvGrpSpPr>
-      <p:grpSpPr>
-        <a:xfrm>
-          <a:off x="0" y="0"/>
-          <a:ext cx="0" cy="0"/>
-          <a:chOff x="0" y="0"/>
-          <a:chExt cx="0" cy="0"/>
-        </a:xfrm>
-      </p:grpSpPr>
-      <p:sp>
-        <p:nvSpPr>
-          <p:cNvPr id="2" name="Titel 1"/>
-          <p:cNvSpPr>
-            <a:spLocks noGrp="1"/>
-          </p:cNvSpPr>
-          <p:nvPr>
-            <p:ph type="title"/>
-          </p:nvPr>
-        </p:nvSpPr>
-        <p:spPr/>
-        <p:txBody>
-          <a:bodyPr/>
-          <a:lstStyle/>
-          <a:p>
-            <a:r>
-              <a:rPr lang="de-DE" dirty="0" smtClean="0"/>
               <a:t>Fazit</a:t>
             </a:r>
             <a:endParaRPr lang="de-DE" dirty="0"/>
@@ -18085,11 +18004,7 @@
             </a:r>
             <a:r>
               <a:rPr lang="de-DE" sz="2800" b="0" dirty="0" smtClean="0"/>
-              <a:t> für Single-Page-Apps</a:t>
-            </a:r>
-            <a:r>
-              <a:rPr lang="de-DE" sz="2800" b="0" dirty="0" smtClean="0"/>
-              <a:t>.</a:t>
+              <a:t> für Single-Page-Apps.</a:t>
             </a:r>
           </a:p>
           <a:p>
@@ -18114,7 +18029,6 @@
               <a:rPr lang="de-DE" sz="2800" b="0" dirty="0" smtClean="0"/>
               <a:t> ist sehr interessant.</a:t>
             </a:r>
-            <a:endParaRPr lang="de-DE" sz="2800" b="0" dirty="0" smtClean="0"/>
           </a:p>
         </p:txBody>
       </p:sp>
@@ -18150,7 +18064,7 @@
 </p:sld>
 </file>
 
-<file path=ppt/slides/slide32.xml><?xml version="1.0" encoding="utf-8"?>
+<file path=ppt/slides/slide31.xml><?xml version="1.0" encoding="utf-8"?>
 <p:sld xmlns:a="http://schemas.openxmlformats.org/drawingml/2006/main" xmlns:r="http://schemas.openxmlformats.org/officeDocument/2006/relationships" xmlns:p="http://schemas.openxmlformats.org/presentationml/2006/main">
   <p:cSld>
     <p:spTree>
@@ -18305,7 +18219,7 @@
 </p:sld>
 </file>
 
-<file path=ppt/slides/slide33.xml><?xml version="1.0" encoding="utf-8"?>
+<file path=ppt/slides/slide32.xml><?xml version="1.0" encoding="utf-8"?>
 <p:sld xmlns:a="http://schemas.openxmlformats.org/drawingml/2006/main" xmlns:r="http://schemas.openxmlformats.org/officeDocument/2006/relationships" xmlns:p="http://schemas.openxmlformats.org/presentationml/2006/main">
   <p:cSld>
     <p:spTree>
